--- a/KTKS_DonKH/api cccd billing/Api_Dinh_Danh.pptx
+++ b/KTKS_DonKH/api cccd billing/Api_Dinh_Danh.pptx
@@ -5,7 +5,7 @@
     <p:sldMasterId id="2147483648" r:id="rId1"/>
   </p:sldMasterIdLst>
   <p:handoutMasterIdLst>
-    <p:handoutMasterId r:id="rId22"/>
+    <p:handoutMasterId r:id="rId23"/>
   </p:handoutMasterIdLst>
   <p:sldIdLst>
     <p:sldId id="256" r:id="rId2"/>
@@ -28,6 +28,7 @@
     <p:sldId id="261" r:id="rId19"/>
     <p:sldId id="262" r:id="rId20"/>
     <p:sldId id="263" r:id="rId21"/>
+    <p:sldId id="277" r:id="rId22"/>
   </p:sldIdLst>
   <p:sldSz cx="12192000" cy="6858000"/>
   <p:notesSz cx="6858000" cy="9144000"/>
@@ -151,480 +152,20 @@
 <file path=ppt/changesInfos/changesInfo1.xml><?xml version="1.0" encoding="utf-8"?>
 <pc:chgInfo xmlns:a="http://schemas.openxmlformats.org/drawingml/2006/main" xmlns:r="http://schemas.openxmlformats.org/officeDocument/2006/relationships" xmlns:ac="http://schemas.microsoft.com/office/drawing/2013/main/command" xmlns:pc="http://schemas.microsoft.com/office/powerpoint/2013/main/command">
   <pc:docChgLst>
-    <pc:chgData name="Dương Ngọc Hoàng" userId="d9335611-bcc3-4be6-8fa4-88c4225ecdff" providerId="ADAL" clId="{39177887-3B98-4B59-A681-72DC08685284}"/>
-    <pc:docChg chg="undo custSel addSld modSld">
-      <pc:chgData name="Dương Ngọc Hoàng" userId="d9335611-bcc3-4be6-8fa4-88c4225ecdff" providerId="ADAL" clId="{39177887-3B98-4B59-A681-72DC08685284}" dt="2022-10-28T07:20:34.455" v="304" actId="20577"/>
+    <pc:chgData name="Dương Ngọc Hoàng" userId="d9335611-bcc3-4be6-8fa4-88c4225ecdff" providerId="ADAL" clId="{7C4B7FA3-6056-4BA5-87B3-0051C068659E}"/>
+    <pc:docChg chg="custSel addSld modSld">
+      <pc:chgData name="Dương Ngọc Hoàng" userId="d9335611-bcc3-4be6-8fa4-88c4225ecdff" providerId="ADAL" clId="{7C4B7FA3-6056-4BA5-87B3-0051C068659E}" dt="2024-01-02T07:09:44.988" v="59" actId="20577"/>
       <pc:docMkLst>
         <pc:docMk/>
       </pc:docMkLst>
       <pc:sldChg chg="modSp">
-        <pc:chgData name="Dương Ngọc Hoàng" userId="d9335611-bcc3-4be6-8fa4-88c4225ecdff" providerId="ADAL" clId="{39177887-3B98-4B59-A681-72DC08685284}" dt="2022-10-28T03:37:10.460" v="2" actId="1076"/>
-        <pc:sldMkLst>
-          <pc:docMk/>
-          <pc:sldMk cId="7483558" sldId="257"/>
-        </pc:sldMkLst>
-        <pc:picChg chg="mod">
-          <ac:chgData name="Dương Ngọc Hoàng" userId="d9335611-bcc3-4be6-8fa4-88c4225ecdff" providerId="ADAL" clId="{39177887-3B98-4B59-A681-72DC08685284}" dt="2022-10-28T03:37:10.460" v="2" actId="1076"/>
-          <ac:picMkLst>
-            <pc:docMk/>
-            <pc:sldMk cId="7483558" sldId="257"/>
-            <ac:picMk id="4" creationId="{AAE15D9C-807F-4D03-8B58-82DC2310EC9E}"/>
-          </ac:picMkLst>
-        </pc:picChg>
-      </pc:sldChg>
-      <pc:sldChg chg="modSp">
-        <pc:chgData name="Dương Ngọc Hoàng" userId="d9335611-bcc3-4be6-8fa4-88c4225ecdff" providerId="ADAL" clId="{39177887-3B98-4B59-A681-72DC08685284}" dt="2022-10-28T07:17:01.159" v="296" actId="20577"/>
-        <pc:sldMkLst>
-          <pc:docMk/>
-          <pc:sldMk cId="1704093330" sldId="258"/>
-        </pc:sldMkLst>
-        <pc:spChg chg="mod">
-          <ac:chgData name="Dương Ngọc Hoàng" userId="d9335611-bcc3-4be6-8fa4-88c4225ecdff" providerId="ADAL" clId="{39177887-3B98-4B59-A681-72DC08685284}" dt="2022-10-28T07:17:01.159" v="296" actId="20577"/>
-          <ac:spMkLst>
-            <pc:docMk/>
-            <pc:sldMk cId="1704093330" sldId="258"/>
-            <ac:spMk id="17" creationId="{CCDF88F4-E7A9-4462-BCF2-66D0656B41A2}"/>
-          </ac:spMkLst>
-        </pc:spChg>
-      </pc:sldChg>
-      <pc:sldChg chg="modSp">
-        <pc:chgData name="Dương Ngọc Hoàng" userId="d9335611-bcc3-4be6-8fa4-88c4225ecdff" providerId="ADAL" clId="{39177887-3B98-4B59-A681-72DC08685284}" dt="2022-10-28T07:17:13.637" v="300" actId="20577"/>
-        <pc:sldMkLst>
-          <pc:docMk/>
-          <pc:sldMk cId="2665158933" sldId="262"/>
-        </pc:sldMkLst>
-        <pc:spChg chg="mod">
-          <ac:chgData name="Dương Ngọc Hoàng" userId="d9335611-bcc3-4be6-8fa4-88c4225ecdff" providerId="ADAL" clId="{39177887-3B98-4B59-A681-72DC08685284}" dt="2022-10-28T07:17:13.637" v="300" actId="20577"/>
-          <ac:spMkLst>
-            <pc:docMk/>
-            <pc:sldMk cId="2665158933" sldId="262"/>
-            <ac:spMk id="2" creationId="{328238BA-224F-4888-AAE6-423EDEB03351}"/>
-          </ac:spMkLst>
-        </pc:spChg>
-      </pc:sldChg>
-      <pc:sldChg chg="modSp">
-        <pc:chgData name="Dương Ngọc Hoàng" userId="d9335611-bcc3-4be6-8fa4-88c4225ecdff" providerId="ADAL" clId="{39177887-3B98-4B59-A681-72DC08685284}" dt="2022-10-28T07:20:34.455" v="304" actId="20577"/>
-        <pc:sldMkLst>
-          <pc:docMk/>
-          <pc:sldMk cId="3202916301" sldId="266"/>
-        </pc:sldMkLst>
-        <pc:spChg chg="mod">
-          <ac:chgData name="Dương Ngọc Hoàng" userId="d9335611-bcc3-4be6-8fa4-88c4225ecdff" providerId="ADAL" clId="{39177887-3B98-4B59-A681-72DC08685284}" dt="2022-10-28T07:20:34.455" v="304" actId="20577"/>
-          <ac:spMkLst>
-            <pc:docMk/>
-            <pc:sldMk cId="3202916301" sldId="266"/>
-            <ac:spMk id="7" creationId="{936CCF9C-AAFC-4925-8FC7-253BC36AF77A}"/>
-          </ac:spMkLst>
-        </pc:spChg>
-      </pc:sldChg>
-      <pc:sldChg chg="addSp delSp modSp">
-        <pc:chgData name="Dương Ngọc Hoàng" userId="d9335611-bcc3-4be6-8fa4-88c4225ecdff" providerId="ADAL" clId="{39177887-3B98-4B59-A681-72DC08685284}" dt="2022-10-28T07:09:44.281" v="272" actId="1076"/>
-        <pc:sldMkLst>
-          <pc:docMk/>
-          <pc:sldMk cId="966069410" sldId="268"/>
-        </pc:sldMkLst>
-        <pc:spChg chg="del">
-          <ac:chgData name="Dương Ngọc Hoàng" userId="d9335611-bcc3-4be6-8fa4-88c4225ecdff" providerId="ADAL" clId="{39177887-3B98-4B59-A681-72DC08685284}" dt="2022-10-28T07:09:25.803" v="269" actId="478"/>
-          <ac:spMkLst>
-            <pc:docMk/>
-            <pc:sldMk cId="966069410" sldId="268"/>
-            <ac:spMk id="2" creationId="{57491B96-5A95-497F-9EEB-2C1CEAC566AB}"/>
-          </ac:spMkLst>
-        </pc:spChg>
-        <pc:spChg chg="del">
-          <ac:chgData name="Dương Ngọc Hoàng" userId="d9335611-bcc3-4be6-8fa4-88c4225ecdff" providerId="ADAL" clId="{39177887-3B98-4B59-A681-72DC08685284}" dt="2022-10-28T07:09:13.927" v="266" actId="478"/>
-          <ac:spMkLst>
-            <pc:docMk/>
-            <pc:sldMk cId="966069410" sldId="268"/>
-            <ac:spMk id="4" creationId="{750F1269-8F55-4C60-BD5D-98D478E2E849}"/>
-          </ac:spMkLst>
-        </pc:spChg>
-        <pc:spChg chg="add del mod">
-          <ac:chgData name="Dương Ngọc Hoàng" userId="d9335611-bcc3-4be6-8fa4-88c4225ecdff" providerId="ADAL" clId="{39177887-3B98-4B59-A681-72DC08685284}" dt="2022-10-28T07:09:16.631" v="267" actId="478"/>
-          <ac:spMkLst>
-            <pc:docMk/>
-            <pc:sldMk cId="966069410" sldId="268"/>
-            <ac:spMk id="5" creationId="{DACB8768-8A89-4865-8A38-C6B2ECED0BD0}"/>
-          </ac:spMkLst>
-        </pc:spChg>
-        <pc:spChg chg="add del mod">
-          <ac:chgData name="Dương Ngọc Hoàng" userId="d9335611-bcc3-4be6-8fa4-88c4225ecdff" providerId="ADAL" clId="{39177887-3B98-4B59-A681-72DC08685284}" dt="2022-10-28T07:09:27.675" v="270" actId="478"/>
-          <ac:spMkLst>
-            <pc:docMk/>
-            <pc:sldMk cId="966069410" sldId="268"/>
-            <ac:spMk id="8" creationId="{255EA805-3D88-4207-8142-F57574EEB4C4}"/>
-          </ac:spMkLst>
-        </pc:spChg>
-        <pc:spChg chg="mod">
-          <ac:chgData name="Dương Ngọc Hoàng" userId="d9335611-bcc3-4be6-8fa4-88c4225ecdff" providerId="ADAL" clId="{39177887-3B98-4B59-A681-72DC08685284}" dt="2022-10-28T07:09:44.281" v="272" actId="1076"/>
-          <ac:spMkLst>
-            <pc:docMk/>
-            <pc:sldMk cId="966069410" sldId="268"/>
-            <ac:spMk id="10" creationId="{B84787BE-8750-4497-8CF4-E859AD75CAF0}"/>
-          </ac:spMkLst>
-        </pc:spChg>
-        <pc:picChg chg="mod">
-          <ac:chgData name="Dương Ngọc Hoàng" userId="d9335611-bcc3-4be6-8fa4-88c4225ecdff" providerId="ADAL" clId="{39177887-3B98-4B59-A681-72DC08685284}" dt="2022-10-28T07:09:30.612" v="271" actId="14100"/>
-          <ac:picMkLst>
-            <pc:docMk/>
-            <pc:sldMk cId="966069410" sldId="268"/>
-            <ac:picMk id="7" creationId="{056377BB-E74C-42A0-A824-8E3C3EBE97A3}"/>
-          </ac:picMkLst>
-        </pc:picChg>
-        <pc:cxnChg chg="mod">
-          <ac:chgData name="Dương Ngọc Hoàng" userId="d9335611-bcc3-4be6-8fa4-88c4225ecdff" providerId="ADAL" clId="{39177887-3B98-4B59-A681-72DC08685284}" dt="2022-10-28T07:09:44.281" v="272" actId="1076"/>
-          <ac:cxnSpMkLst>
-            <pc:docMk/>
-            <pc:sldMk cId="966069410" sldId="268"/>
-            <ac:cxnSpMk id="9" creationId="{7EAAE686-4486-4C43-8EA3-686DDE876287}"/>
-          </ac:cxnSpMkLst>
-        </pc:cxnChg>
-      </pc:sldChg>
-      <pc:sldChg chg="addSp delSp modSp">
-        <pc:chgData name="Dương Ngọc Hoàng" userId="d9335611-bcc3-4be6-8fa4-88c4225ecdff" providerId="ADAL" clId="{39177887-3B98-4B59-A681-72DC08685284}" dt="2022-10-28T07:10:25.398" v="279" actId="14100"/>
-        <pc:sldMkLst>
-          <pc:docMk/>
-          <pc:sldMk cId="3058688370" sldId="271"/>
-        </pc:sldMkLst>
-        <pc:spChg chg="del">
-          <ac:chgData name="Dương Ngọc Hoàng" userId="d9335611-bcc3-4be6-8fa4-88c4225ecdff" providerId="ADAL" clId="{39177887-3B98-4B59-A681-72DC08685284}" dt="2022-10-28T07:10:13.105" v="275" actId="478"/>
-          <ac:spMkLst>
-            <pc:docMk/>
-            <pc:sldMk cId="3058688370" sldId="271"/>
-            <ac:spMk id="2" creationId="{57491B96-5A95-497F-9EEB-2C1CEAC566AB}"/>
-          </ac:spMkLst>
-        </pc:spChg>
-        <pc:spChg chg="add del mod">
-          <ac:chgData name="Dương Ngọc Hoàng" userId="d9335611-bcc3-4be6-8fa4-88c4225ecdff" providerId="ADAL" clId="{39177887-3B98-4B59-A681-72DC08685284}" dt="2022-10-28T07:10:15.267" v="276" actId="478"/>
-          <ac:spMkLst>
-            <pc:docMk/>
-            <pc:sldMk cId="3058688370" sldId="271"/>
-            <ac:spMk id="5" creationId="{785B0FE7-41C4-468C-9EBE-1B90B9DFF989}"/>
-          </ac:spMkLst>
-        </pc:spChg>
-        <pc:spChg chg="del">
-          <ac:chgData name="Dương Ngọc Hoàng" userId="d9335611-bcc3-4be6-8fa4-88c4225ecdff" providerId="ADAL" clId="{39177887-3B98-4B59-A681-72DC08685284}" dt="2022-10-28T07:10:17.551" v="277" actId="478"/>
-          <ac:spMkLst>
-            <pc:docMk/>
-            <pc:sldMk cId="3058688370" sldId="271"/>
-            <ac:spMk id="6" creationId="{20DC307A-ABB2-4A5C-8BA7-C9E71897F45E}"/>
-          </ac:spMkLst>
-        </pc:spChg>
-        <pc:spChg chg="add del mod">
-          <ac:chgData name="Dương Ngọc Hoàng" userId="d9335611-bcc3-4be6-8fa4-88c4225ecdff" providerId="ADAL" clId="{39177887-3B98-4B59-A681-72DC08685284}" dt="2022-10-28T07:10:20.044" v="278" actId="478"/>
-          <ac:spMkLst>
-            <pc:docMk/>
-            <pc:sldMk cId="3058688370" sldId="271"/>
-            <ac:spMk id="9" creationId="{4537E752-2330-44FF-8EFD-D9EE0918D272}"/>
-          </ac:spMkLst>
-        </pc:spChg>
-        <pc:picChg chg="mod">
-          <ac:chgData name="Dương Ngọc Hoàng" userId="d9335611-bcc3-4be6-8fa4-88c4225ecdff" providerId="ADAL" clId="{39177887-3B98-4B59-A681-72DC08685284}" dt="2022-10-28T07:10:25.398" v="279" actId="14100"/>
-          <ac:picMkLst>
-            <pc:docMk/>
-            <pc:sldMk cId="3058688370" sldId="271"/>
-            <ac:picMk id="4" creationId="{EC0F2B4C-DD10-4953-B1DC-85171465B911}"/>
-          </ac:picMkLst>
-        </pc:picChg>
-      </pc:sldChg>
-      <pc:sldChg chg="addSp delSp modSp">
-        <pc:chgData name="Dương Ngọc Hoàng" userId="d9335611-bcc3-4be6-8fa4-88c4225ecdff" providerId="ADAL" clId="{39177887-3B98-4B59-A681-72DC08685284}" dt="2022-10-28T07:10:54.424" v="284" actId="14100"/>
-        <pc:sldMkLst>
-          <pc:docMk/>
-          <pc:sldMk cId="2627519663" sldId="273"/>
-        </pc:sldMkLst>
-        <pc:spChg chg="del">
-          <ac:chgData name="Dương Ngọc Hoàng" userId="d9335611-bcc3-4be6-8fa4-88c4225ecdff" providerId="ADAL" clId="{39177887-3B98-4B59-A681-72DC08685284}" dt="2022-10-28T07:10:48.179" v="282" actId="478"/>
-          <ac:spMkLst>
-            <pc:docMk/>
-            <pc:sldMk cId="2627519663" sldId="273"/>
-            <ac:spMk id="2" creationId="{57491B96-5A95-497F-9EEB-2C1CEAC566AB}"/>
-          </ac:spMkLst>
-        </pc:spChg>
-        <pc:spChg chg="add del mod">
-          <ac:chgData name="Dương Ngọc Hoàng" userId="d9335611-bcc3-4be6-8fa4-88c4225ecdff" providerId="ADAL" clId="{39177887-3B98-4B59-A681-72DC08685284}" dt="2022-10-28T07:10:44.958" v="281" actId="478"/>
-          <ac:spMkLst>
-            <pc:docMk/>
-            <pc:sldMk cId="2627519663" sldId="273"/>
-            <ac:spMk id="6" creationId="{CA854A69-5C24-4A94-A3A0-C87F0B2AEB56}"/>
-          </ac:spMkLst>
-        </pc:spChg>
-        <pc:spChg chg="del">
-          <ac:chgData name="Dương Ngọc Hoàng" userId="d9335611-bcc3-4be6-8fa4-88c4225ecdff" providerId="ADAL" clId="{39177887-3B98-4B59-A681-72DC08685284}" dt="2022-10-28T07:10:43.338" v="280" actId="478"/>
-          <ac:spMkLst>
-            <pc:docMk/>
-            <pc:sldMk cId="2627519663" sldId="273"/>
-            <ac:spMk id="7" creationId="{D927F14D-45E3-4CFE-92B0-A8EC517DC514}"/>
-          </ac:spMkLst>
-        </pc:spChg>
-        <pc:spChg chg="add del mod">
-          <ac:chgData name="Dương Ngọc Hoàng" userId="d9335611-bcc3-4be6-8fa4-88c4225ecdff" providerId="ADAL" clId="{39177887-3B98-4B59-A681-72DC08685284}" dt="2022-10-28T07:10:50.197" v="283" actId="478"/>
-          <ac:spMkLst>
-            <pc:docMk/>
-            <pc:sldMk cId="2627519663" sldId="273"/>
-            <ac:spMk id="9" creationId="{7E473DAE-4EF1-49FA-8079-899EEC8A38AF}"/>
-          </ac:spMkLst>
-        </pc:spChg>
-        <pc:picChg chg="mod">
-          <ac:chgData name="Dương Ngọc Hoàng" userId="d9335611-bcc3-4be6-8fa4-88c4225ecdff" providerId="ADAL" clId="{39177887-3B98-4B59-A681-72DC08685284}" dt="2022-10-28T07:10:54.424" v="284" actId="14100"/>
-          <ac:picMkLst>
-            <pc:docMk/>
-            <pc:sldMk cId="2627519663" sldId="273"/>
-            <ac:picMk id="4" creationId="{A8BD39AF-A962-45D8-BFA1-76E8484D3B83}"/>
-          </ac:picMkLst>
-        </pc:picChg>
-      </pc:sldChg>
-      <pc:sldChg chg="addSp delSp modSp add">
-        <pc:chgData name="Dương Ngọc Hoàng" userId="d9335611-bcc3-4be6-8fa4-88c4225ecdff" providerId="ADAL" clId="{39177887-3B98-4B59-A681-72DC08685284}" dt="2022-10-28T07:09:58.574" v="274" actId="478"/>
-        <pc:sldMkLst>
-          <pc:docMk/>
-          <pc:sldMk cId="1913607012" sldId="274"/>
-        </pc:sldMkLst>
-        <pc:spChg chg="del">
-          <ac:chgData name="Dương Ngọc Hoàng" userId="d9335611-bcc3-4be6-8fa4-88c4225ecdff" providerId="ADAL" clId="{39177887-3B98-4B59-A681-72DC08685284}" dt="2022-10-28T07:09:57.214" v="273" actId="478"/>
-          <ac:spMkLst>
-            <pc:docMk/>
-            <pc:sldMk cId="1913607012" sldId="274"/>
-            <ac:spMk id="2" creationId="{57491B96-5A95-497F-9EEB-2C1CEAC566AB}"/>
-          </ac:spMkLst>
-        </pc:spChg>
-        <pc:spChg chg="del">
-          <ac:chgData name="Dương Ngọc Hoàng" userId="d9335611-bcc3-4be6-8fa4-88c4225ecdff" providerId="ADAL" clId="{39177887-3B98-4B59-A681-72DC08685284}" dt="2022-10-28T03:56:35.939" v="7" actId="478"/>
-          <ac:spMkLst>
-            <pc:docMk/>
-            <pc:sldMk cId="1913607012" sldId="274"/>
-            <ac:spMk id="4" creationId="{750F1269-8F55-4C60-BD5D-98D478E2E849}"/>
-          </ac:spMkLst>
-        </pc:spChg>
-        <pc:spChg chg="add del mod">
-          <ac:chgData name="Dương Ngọc Hoàng" userId="d9335611-bcc3-4be6-8fa4-88c4225ecdff" providerId="ADAL" clId="{39177887-3B98-4B59-A681-72DC08685284}" dt="2022-10-28T07:09:58.574" v="274" actId="478"/>
-          <ac:spMkLst>
-            <pc:docMk/>
-            <pc:sldMk cId="1913607012" sldId="274"/>
-            <ac:spMk id="4" creationId="{E63F5603-95DB-4473-923C-373D2C2B4CC4}"/>
-          </ac:spMkLst>
-        </pc:spChg>
-        <pc:spChg chg="add mod">
-          <ac:chgData name="Dương Ngọc Hoàng" userId="d9335611-bcc3-4be6-8fa4-88c4225ecdff" providerId="ADAL" clId="{39177887-3B98-4B59-A681-72DC08685284}" dt="2022-10-28T03:57:03.084" v="8" actId="14100"/>
-          <ac:spMkLst>
-            <pc:docMk/>
-            <pc:sldMk cId="1913607012" sldId="274"/>
-            <ac:spMk id="5" creationId="{5562D81F-60E2-493F-80EC-4FE18EFDC679}"/>
-          </ac:spMkLst>
-        </pc:spChg>
-        <pc:spChg chg="del">
-          <ac:chgData name="Dương Ngọc Hoàng" userId="d9335611-bcc3-4be6-8fa4-88c4225ecdff" providerId="ADAL" clId="{39177887-3B98-4B59-A681-72DC08685284}" dt="2022-10-28T03:56:31.509" v="5" actId="478"/>
-          <ac:spMkLst>
-            <pc:docMk/>
-            <pc:sldMk cId="1913607012" sldId="274"/>
-            <ac:spMk id="10" creationId="{B84787BE-8750-4497-8CF4-E859AD75CAF0}"/>
-          </ac:spMkLst>
-        </pc:spChg>
-        <pc:graphicFrameChg chg="mod modGraphic">
-          <ac:chgData name="Dương Ngọc Hoàng" userId="d9335611-bcc3-4be6-8fa4-88c4225ecdff" providerId="ADAL" clId="{39177887-3B98-4B59-A681-72DC08685284}" dt="2022-10-28T04:00:38.534" v="166" actId="122"/>
-          <ac:graphicFrameMkLst>
-            <pc:docMk/>
-            <pc:sldMk cId="1913607012" sldId="274"/>
-            <ac:graphicFrameMk id="6" creationId="{A361A900-4C50-44CE-ADC6-91FCFA7C5E0E}"/>
-          </ac:graphicFrameMkLst>
-        </pc:graphicFrameChg>
-        <pc:picChg chg="del">
-          <ac:chgData name="Dương Ngọc Hoàng" userId="d9335611-bcc3-4be6-8fa4-88c4225ecdff" providerId="ADAL" clId="{39177887-3B98-4B59-A681-72DC08685284}" dt="2022-10-28T03:56:29.646" v="4" actId="478"/>
-          <ac:picMkLst>
-            <pc:docMk/>
-            <pc:sldMk cId="1913607012" sldId="274"/>
-            <ac:picMk id="7" creationId="{056377BB-E74C-42A0-A824-8E3C3EBE97A3}"/>
-          </ac:picMkLst>
-        </pc:picChg>
-        <pc:cxnChg chg="del">
-          <ac:chgData name="Dương Ngọc Hoàng" userId="d9335611-bcc3-4be6-8fa4-88c4225ecdff" providerId="ADAL" clId="{39177887-3B98-4B59-A681-72DC08685284}" dt="2022-10-28T03:56:32.649" v="6" actId="478"/>
-          <ac:cxnSpMkLst>
-            <pc:docMk/>
-            <pc:sldMk cId="1913607012" sldId="274"/>
-            <ac:cxnSpMk id="9" creationId="{7EAAE686-4486-4C43-8EA3-686DDE876287}"/>
-          </ac:cxnSpMkLst>
-        </pc:cxnChg>
-      </pc:sldChg>
-      <pc:sldChg chg="addSp delSp modSp add">
-        <pc:chgData name="Dương Ngọc Hoàng" userId="d9335611-bcc3-4be6-8fa4-88c4225ecdff" providerId="ADAL" clId="{39177887-3B98-4B59-A681-72DC08685284}" dt="2022-10-28T04:05:44.468" v="250" actId="20577"/>
-        <pc:sldMkLst>
-          <pc:docMk/>
-          <pc:sldMk cId="3729204491" sldId="275"/>
-        </pc:sldMkLst>
-        <pc:spChg chg="del mod">
-          <ac:chgData name="Dương Ngọc Hoàng" userId="d9335611-bcc3-4be6-8fa4-88c4225ecdff" providerId="ADAL" clId="{39177887-3B98-4B59-A681-72DC08685284}" dt="2022-10-28T04:04:39.538" v="181" actId="478"/>
-          <ac:spMkLst>
-            <pc:docMk/>
-            <pc:sldMk cId="3729204491" sldId="275"/>
-            <ac:spMk id="6" creationId="{20DC307A-ABB2-4A5C-8BA7-C9E71897F45E}"/>
-          </ac:spMkLst>
-        </pc:spChg>
-        <pc:graphicFrameChg chg="add del">
-          <ac:chgData name="Dương Ngọc Hoàng" userId="d9335611-bcc3-4be6-8fa4-88c4225ecdff" providerId="ADAL" clId="{39177887-3B98-4B59-A681-72DC08685284}" dt="2022-10-28T04:04:34.578" v="176"/>
-          <ac:graphicFrameMkLst>
-            <pc:docMk/>
-            <pc:sldMk cId="3729204491" sldId="275"/>
-            <ac:graphicFrameMk id="8" creationId="{2FC6923B-7482-4098-ABFD-CC6682F9BFB5}"/>
-          </ac:graphicFrameMkLst>
-        </pc:graphicFrameChg>
-        <pc:graphicFrameChg chg="add mod modGraphic">
-          <ac:chgData name="Dương Ngọc Hoàng" userId="d9335611-bcc3-4be6-8fa4-88c4225ecdff" providerId="ADAL" clId="{39177887-3B98-4B59-A681-72DC08685284}" dt="2022-10-28T04:05:44.468" v="250" actId="20577"/>
-          <ac:graphicFrameMkLst>
-            <pc:docMk/>
-            <pc:sldMk cId="3729204491" sldId="275"/>
-            <ac:graphicFrameMk id="9" creationId="{A8782B9C-8F5D-4AF0-97CC-1704FCEB4436}"/>
-          </ac:graphicFrameMkLst>
-        </pc:graphicFrameChg>
-        <pc:picChg chg="del">
-          <ac:chgData name="Dương Ngọc Hoàng" userId="d9335611-bcc3-4be6-8fa4-88c4225ecdff" providerId="ADAL" clId="{39177887-3B98-4B59-A681-72DC08685284}" dt="2022-10-28T04:03:59.515" v="168" actId="478"/>
-          <ac:picMkLst>
-            <pc:docMk/>
-            <pc:sldMk cId="3729204491" sldId="275"/>
-            <ac:picMk id="4" creationId="{EC0F2B4C-DD10-4953-B1DC-85171465B911}"/>
-          </ac:picMkLst>
-        </pc:picChg>
-      </pc:sldChg>
-      <pc:sldChg chg="addSp delSp modSp add">
-        <pc:chgData name="Dương Ngọc Hoàng" userId="d9335611-bcc3-4be6-8fa4-88c4225ecdff" providerId="ADAL" clId="{39177887-3B98-4B59-A681-72DC08685284}" dt="2022-10-28T07:11:02.453" v="286" actId="478"/>
-        <pc:sldMkLst>
-          <pc:docMk/>
-          <pc:sldMk cId="2088432370" sldId="276"/>
-        </pc:sldMkLst>
-        <pc:spChg chg="del">
-          <ac:chgData name="Dương Ngọc Hoàng" userId="d9335611-bcc3-4be6-8fa4-88c4225ecdff" providerId="ADAL" clId="{39177887-3B98-4B59-A681-72DC08685284}" dt="2022-10-28T07:11:01.520" v="285" actId="478"/>
-          <ac:spMkLst>
-            <pc:docMk/>
-            <pc:sldMk cId="2088432370" sldId="276"/>
-            <ac:spMk id="2" creationId="{57491B96-5A95-497F-9EEB-2C1CEAC566AB}"/>
-          </ac:spMkLst>
-        </pc:spChg>
-        <pc:spChg chg="add del mod">
-          <ac:chgData name="Dương Ngọc Hoàng" userId="d9335611-bcc3-4be6-8fa4-88c4225ecdff" providerId="ADAL" clId="{39177887-3B98-4B59-A681-72DC08685284}" dt="2022-10-28T07:11:02.453" v="286" actId="478"/>
-          <ac:spMkLst>
-            <pc:docMk/>
-            <pc:sldMk cId="2088432370" sldId="276"/>
-            <ac:spMk id="4" creationId="{E09041B8-1E74-4FB9-91B1-DE57EE9CA112}"/>
-          </ac:spMkLst>
-        </pc:spChg>
-        <pc:spChg chg="add del mod">
-          <ac:chgData name="Dương Ngọc Hoàng" userId="d9335611-bcc3-4be6-8fa4-88c4225ecdff" providerId="ADAL" clId="{39177887-3B98-4B59-A681-72DC08685284}" dt="2022-10-28T04:54:57.924" v="254" actId="478"/>
-          <ac:spMkLst>
-            <pc:docMk/>
-            <pc:sldMk cId="2088432370" sldId="276"/>
-            <ac:spMk id="6" creationId="{935C6185-6F05-4385-8DB5-64175926AE3C}"/>
-          </ac:spMkLst>
-        </pc:spChg>
-        <pc:spChg chg="del">
-          <ac:chgData name="Dương Ngọc Hoàng" userId="d9335611-bcc3-4be6-8fa4-88c4225ecdff" providerId="ADAL" clId="{39177887-3B98-4B59-A681-72DC08685284}" dt="2022-10-28T04:54:55.106" v="253" actId="478"/>
-          <ac:spMkLst>
-            <pc:docMk/>
-            <pc:sldMk cId="2088432370" sldId="276"/>
-            <ac:spMk id="7" creationId="{D927F14D-45E3-4CFE-92B0-A8EC517DC514}"/>
-          </ac:spMkLst>
-        </pc:spChg>
-        <pc:graphicFrameChg chg="add mod modGraphic">
-          <ac:chgData name="Dương Ngọc Hoàng" userId="d9335611-bcc3-4be6-8fa4-88c4225ecdff" providerId="ADAL" clId="{39177887-3B98-4B59-A681-72DC08685284}" dt="2022-10-28T04:55:27.104" v="265" actId="20577"/>
-          <ac:graphicFrameMkLst>
-            <pc:docMk/>
-            <pc:sldMk cId="2088432370" sldId="276"/>
-            <ac:graphicFrameMk id="8" creationId="{54D59481-2092-424D-8928-69B589D5A71E}"/>
-          </ac:graphicFrameMkLst>
-        </pc:graphicFrameChg>
-        <pc:picChg chg="del">
-          <ac:chgData name="Dương Ngọc Hoàng" userId="d9335611-bcc3-4be6-8fa4-88c4225ecdff" providerId="ADAL" clId="{39177887-3B98-4B59-A681-72DC08685284}" dt="2022-10-28T04:54:53.469" v="252" actId="478"/>
-          <ac:picMkLst>
-            <pc:docMk/>
-            <pc:sldMk cId="2088432370" sldId="276"/>
-            <ac:picMk id="4" creationId="{A8BD39AF-A962-45D8-BFA1-76E8484D3B83}"/>
-          </ac:picMkLst>
-        </pc:picChg>
-      </pc:sldChg>
-    </pc:docChg>
-  </pc:docChgLst>
-  <pc:docChgLst>
-    <pc:chgData name="Hoàng Dương Ngọc" userId="d9335611-bcc3-4be6-8fa4-88c4225ecdff" providerId="ADAL" clId="{72A0FB6B-9944-4D3B-8E81-22B3E48A5D86}"/>
-    <pc:docChg chg="undo custSel addSld delSld modSld sldOrd modMainMaster">
-      <pc:chgData name="Hoàng Dương Ngọc" userId="d9335611-bcc3-4be6-8fa4-88c4225ecdff" providerId="ADAL" clId="{72A0FB6B-9944-4D3B-8E81-22B3E48A5D86}" dt="2022-09-19T01:06:36.658" v="793" actId="113"/>
-      <pc:docMkLst>
-        <pc:docMk/>
-      </pc:docMkLst>
-      <pc:sldChg chg="modSp">
-        <pc:chgData name="Hoàng Dương Ngọc" userId="d9335611-bcc3-4be6-8fa4-88c4225ecdff" providerId="ADAL" clId="{72A0FB6B-9944-4D3B-8E81-22B3E48A5D86}" dt="2022-09-13T07:08:11.987" v="416" actId="14100"/>
-        <pc:sldMkLst>
-          <pc:docMk/>
-          <pc:sldMk cId="175181527" sldId="256"/>
-        </pc:sldMkLst>
-        <pc:spChg chg="mod">
-          <ac:chgData name="Hoàng Dương Ngọc" userId="d9335611-bcc3-4be6-8fa4-88c4225ecdff" providerId="ADAL" clId="{72A0FB6B-9944-4D3B-8E81-22B3E48A5D86}" dt="2022-09-13T07:08:11.987" v="416" actId="14100"/>
-          <ac:spMkLst>
-            <pc:docMk/>
-            <pc:sldMk cId="175181527" sldId="256"/>
-            <ac:spMk id="2" creationId="{1B134DE7-3343-4784-A541-1DFC988EAB17}"/>
-          </ac:spMkLst>
-        </pc:spChg>
-        <pc:spChg chg="mod">
-          <ac:chgData name="Hoàng Dương Ngọc" userId="d9335611-bcc3-4be6-8fa4-88c4225ecdff" providerId="ADAL" clId="{72A0FB6B-9944-4D3B-8E81-22B3E48A5D86}" dt="2022-09-13T07:08:11.610" v="415" actId="1076"/>
-          <ac:spMkLst>
-            <pc:docMk/>
-            <pc:sldMk cId="175181527" sldId="256"/>
-            <ac:spMk id="3" creationId="{F2FCAD4D-7971-4B4E-B716-CEB9974DD77C}"/>
-          </ac:spMkLst>
-        </pc:spChg>
-      </pc:sldChg>
-      <pc:sldChg chg="modSp ord">
-        <pc:chgData name="Hoàng Dương Ngọc" userId="d9335611-bcc3-4be6-8fa4-88c4225ecdff" providerId="ADAL" clId="{72A0FB6B-9944-4D3B-8E81-22B3E48A5D86}" dt="2022-09-13T09:29:30.669" v="749" actId="1076"/>
-        <pc:sldMkLst>
-          <pc:docMk/>
-          <pc:sldMk cId="7483558" sldId="257"/>
-        </pc:sldMkLst>
-        <pc:picChg chg="mod">
-          <ac:chgData name="Hoàng Dương Ngọc" userId="d9335611-bcc3-4be6-8fa4-88c4225ecdff" providerId="ADAL" clId="{72A0FB6B-9944-4D3B-8E81-22B3E48A5D86}" dt="2022-09-13T09:29:30.669" v="749" actId="1076"/>
-          <ac:picMkLst>
-            <pc:docMk/>
-            <pc:sldMk cId="7483558" sldId="257"/>
-            <ac:picMk id="4" creationId="{AAE15D9C-807F-4D03-8B58-82DC2310EC9E}"/>
-          </ac:picMkLst>
-        </pc:picChg>
-      </pc:sldChg>
-      <pc:sldChg chg="modSp">
-        <pc:chgData name="Hoàng Dương Ngọc" userId="d9335611-bcc3-4be6-8fa4-88c4225ecdff" providerId="ADAL" clId="{72A0FB6B-9944-4D3B-8E81-22B3E48A5D86}" dt="2022-09-14T01:15:21.650" v="791"/>
-        <pc:sldMkLst>
-          <pc:docMk/>
-          <pc:sldMk cId="1704093330" sldId="258"/>
-        </pc:sldMkLst>
-        <pc:spChg chg="mod">
-          <ac:chgData name="Hoàng Dương Ngọc" userId="d9335611-bcc3-4be6-8fa4-88c4225ecdff" providerId="ADAL" clId="{72A0FB6B-9944-4D3B-8E81-22B3E48A5D86}" dt="2022-09-14T01:12:40.882" v="790" actId="14100"/>
-          <ac:spMkLst>
-            <pc:docMk/>
-            <pc:sldMk cId="1704093330" sldId="258"/>
-            <ac:spMk id="2" creationId="{D8249E43-968A-425F-B524-2F40E4AE421F}"/>
-          </ac:spMkLst>
-        </pc:spChg>
-        <pc:spChg chg="mod">
-          <ac:chgData name="Hoàng Dương Ngọc" userId="d9335611-bcc3-4be6-8fa4-88c4225ecdff" providerId="ADAL" clId="{72A0FB6B-9944-4D3B-8E81-22B3E48A5D86}" dt="2022-09-14T01:15:21.650" v="791"/>
-          <ac:spMkLst>
-            <pc:docMk/>
-            <pc:sldMk cId="1704093330" sldId="258"/>
-            <ac:spMk id="13" creationId="{6C8B2ED8-494F-4E5F-8D05-4EEEEE45D17A}"/>
-          </ac:spMkLst>
-        </pc:spChg>
-      </pc:sldChg>
-      <pc:sldChg chg="modSp add">
-        <pc:chgData name="Hoàng Dương Ngọc" userId="d9335611-bcc3-4be6-8fa4-88c4225ecdff" providerId="ADAL" clId="{72A0FB6B-9944-4D3B-8E81-22B3E48A5D86}" dt="2022-09-13T01:19:14.801" v="207" actId="20577"/>
+        <pc:chgData name="Dương Ngọc Hoàng" userId="d9335611-bcc3-4be6-8fa4-88c4225ecdff" providerId="ADAL" clId="{7C4B7FA3-6056-4BA5-87B3-0051C068659E}" dt="2024-01-02T07:06:26.687" v="45" actId="20577"/>
         <pc:sldMkLst>
           <pc:docMk/>
           <pc:sldMk cId="4018346914" sldId="264"/>
         </pc:sldMkLst>
         <pc:spChg chg="mod">
-          <ac:chgData name="Hoàng Dương Ngọc" userId="d9335611-bcc3-4be6-8fa4-88c4225ecdff" providerId="ADAL" clId="{72A0FB6B-9944-4D3B-8E81-22B3E48A5D86}" dt="2022-09-13T01:07:56.676" v="2"/>
-          <ac:spMkLst>
-            <pc:docMk/>
-            <pc:sldMk cId="4018346914" sldId="264"/>
-            <ac:spMk id="2" creationId="{54FA00F7-EB74-4E5D-93F4-ABCBC3E753D5}"/>
-          </ac:spMkLst>
-        </pc:spChg>
-        <pc:spChg chg="mod">
-          <ac:chgData name="Hoàng Dương Ngọc" userId="d9335611-bcc3-4be6-8fa4-88c4225ecdff" providerId="ADAL" clId="{72A0FB6B-9944-4D3B-8E81-22B3E48A5D86}" dt="2022-09-13T01:19:14.801" v="207" actId="20577"/>
+          <ac:chgData name="Dương Ngọc Hoàng" userId="d9335611-bcc3-4be6-8fa4-88c4225ecdff" providerId="ADAL" clId="{7C4B7FA3-6056-4BA5-87B3-0051C068659E}" dt="2024-01-02T07:06:26.687" v="45" actId="20577"/>
           <ac:spMkLst>
             <pc:docMk/>
             <pc:sldMk cId="4018346914" sldId="264"/>
@@ -633,612 +174,75 @@
         </pc:spChg>
       </pc:sldChg>
       <pc:sldChg chg="addSp delSp modSp add">
-        <pc:chgData name="Hoàng Dương Ngọc" userId="d9335611-bcc3-4be6-8fa4-88c4225ecdff" providerId="ADAL" clId="{72A0FB6B-9944-4D3B-8E81-22B3E48A5D86}" dt="2022-09-13T07:08:44.428" v="417" actId="1076"/>
+        <pc:chgData name="Dương Ngọc Hoàng" userId="d9335611-bcc3-4be6-8fa4-88c4225ecdff" providerId="ADAL" clId="{7C4B7FA3-6056-4BA5-87B3-0051C068659E}" dt="2024-01-02T07:09:44.988" v="59" actId="20577"/>
         <pc:sldMkLst>
           <pc:docMk/>
-          <pc:sldMk cId="3202916301" sldId="266"/>
+          <pc:sldMk cId="3547981185" sldId="277"/>
         </pc:sldMkLst>
         <pc:spChg chg="mod">
-          <ac:chgData name="Hoàng Dương Ngọc" userId="d9335611-bcc3-4be6-8fa4-88c4225ecdff" providerId="ADAL" clId="{72A0FB6B-9944-4D3B-8E81-22B3E48A5D86}" dt="2022-09-13T01:32:47.743" v="256" actId="14100"/>
+          <ac:chgData name="Dương Ngọc Hoàng" userId="d9335611-bcc3-4be6-8fa4-88c4225ecdff" providerId="ADAL" clId="{7C4B7FA3-6056-4BA5-87B3-0051C068659E}" dt="2024-01-02T07:06:49.175" v="48" actId="20577"/>
           <ac:spMkLst>
             <pc:docMk/>
-            <pc:sldMk cId="3202916301" sldId="266"/>
-            <ac:spMk id="2" creationId="{57491B96-5A95-497F-9EEB-2C1CEAC566AB}"/>
+            <pc:sldMk cId="3547981185" sldId="277"/>
+            <ac:spMk id="2" creationId="{F37A83C8-4CEE-478F-AAAE-AB4823FD0EE7}"/>
           </ac:spMkLst>
         </pc:spChg>
-        <pc:spChg chg="del mod">
-          <ac:chgData name="Hoàng Dương Ngọc" userId="d9335611-bcc3-4be6-8fa4-88c4225ecdff" providerId="ADAL" clId="{72A0FB6B-9944-4D3B-8E81-22B3E48A5D86}" dt="2022-09-13T01:20:02.716" v="241" actId="478"/>
+        <pc:spChg chg="del">
+          <ac:chgData name="Dương Ngọc Hoàng" userId="d9335611-bcc3-4be6-8fa4-88c4225ecdff" providerId="ADAL" clId="{7C4B7FA3-6056-4BA5-87B3-0051C068659E}" dt="2024-01-02T07:08:37.385" v="49" actId="931"/>
           <ac:spMkLst>
             <pc:docMk/>
-            <pc:sldMk cId="3202916301" sldId="266"/>
-            <ac:spMk id="3" creationId="{26274211-E786-4D5A-B81B-0FADDB705619}"/>
+            <pc:sldMk cId="3547981185" sldId="277"/>
+            <ac:spMk id="3" creationId="{CE3140BF-FC83-40EE-AC7E-73C1D34EF711}"/>
           </ac:spMkLst>
         </pc:spChg>
-        <pc:spChg chg="add del mod">
-          <ac:chgData name="Hoàng Dương Ngọc" userId="d9335611-bcc3-4be6-8fa4-88c4225ecdff" providerId="ADAL" clId="{72A0FB6B-9944-4D3B-8E81-22B3E48A5D86}" dt="2022-09-13T01:34:14.938" v="259" actId="478"/>
+        <pc:spChg chg="add">
+          <ac:chgData name="Dương Ngọc Hoàng" userId="d9335611-bcc3-4be6-8fa4-88c4225ecdff" providerId="ADAL" clId="{7C4B7FA3-6056-4BA5-87B3-0051C068659E}" dt="2024-01-02T07:08:56.433" v="51"/>
           <ac:spMkLst>
             <pc:docMk/>
-            <pc:sldMk cId="3202916301" sldId="266"/>
-            <ac:spMk id="4" creationId="{AD5CC1F6-5609-4E65-977C-F5915AE572C8}"/>
-          </ac:spMkLst>
-        </pc:spChg>
-        <pc:spChg chg="add del mod">
-          <ac:chgData name="Hoàng Dương Ngọc" userId="d9335611-bcc3-4be6-8fa4-88c4225ecdff" providerId="ADAL" clId="{72A0FB6B-9944-4D3B-8E81-22B3E48A5D86}" dt="2022-09-13T01:34:14.938" v="259" actId="478"/>
-          <ac:spMkLst>
-            <pc:docMk/>
-            <pc:sldMk cId="3202916301" sldId="266"/>
-            <ac:spMk id="5" creationId="{3D73C7E2-8B93-4C75-8089-E13351EB2D7A}"/>
-          </ac:spMkLst>
-        </pc:spChg>
-        <pc:spChg chg="add del mod">
-          <ac:chgData name="Hoàng Dương Ngọc" userId="d9335611-bcc3-4be6-8fa4-88c4225ecdff" providerId="ADAL" clId="{72A0FB6B-9944-4D3B-8E81-22B3E48A5D86}" dt="2022-09-13T01:39:20.456" v="389" actId="478"/>
-          <ac:spMkLst>
-            <pc:docMk/>
-            <pc:sldMk cId="3202916301" sldId="266"/>
-            <ac:spMk id="6" creationId="{20DC307A-ABB2-4A5C-8BA7-C9E71897F45E}"/>
+            <pc:sldMk cId="3547981185" sldId="277"/>
+            <ac:spMk id="6" creationId="{33EEC58C-C5D3-4DCF-B58D-0D3131A40625}"/>
           </ac:spMkLst>
         </pc:spChg>
         <pc:spChg chg="add mod">
-          <ac:chgData name="Hoàng Dương Ngọc" userId="d9335611-bcc3-4be6-8fa4-88c4225ecdff" providerId="ADAL" clId="{72A0FB6B-9944-4D3B-8E81-22B3E48A5D86}" dt="2022-09-13T01:40:01.700" v="402" actId="1076"/>
+          <ac:chgData name="Dương Ngọc Hoàng" userId="d9335611-bcc3-4be6-8fa4-88c4225ecdff" providerId="ADAL" clId="{7C4B7FA3-6056-4BA5-87B3-0051C068659E}" dt="2024-01-02T07:09:44.988" v="59" actId="20577"/>
           <ac:spMkLst>
             <pc:docMk/>
-            <pc:sldMk cId="3202916301" sldId="266"/>
-            <ac:spMk id="7" creationId="{936CCF9C-AAFC-4925-8FC7-253BC36AF77A}"/>
+            <pc:sldMk cId="3547981185" sldId="277"/>
+            <ac:spMk id="8" creationId="{1FE1AF1D-FCFE-46BC-8727-C10E9B86BB9C}"/>
           </ac:spMkLst>
         </pc:spChg>
         <pc:spChg chg="add mod">
-          <ac:chgData name="Hoàng Dương Ngọc" userId="d9335611-bcc3-4be6-8fa4-88c4225ecdff" providerId="ADAL" clId="{72A0FB6B-9944-4D3B-8E81-22B3E48A5D86}" dt="2022-09-13T07:08:44.428" v="417" actId="1076"/>
+          <ac:chgData name="Dương Ngọc Hoàng" userId="d9335611-bcc3-4be6-8fa4-88c4225ecdff" providerId="ADAL" clId="{7C4B7FA3-6056-4BA5-87B3-0051C068659E}" dt="2024-01-02T07:09:27.731" v="56" actId="14100"/>
           <ac:spMkLst>
             <pc:docMk/>
-            <pc:sldMk cId="3202916301" sldId="266"/>
-            <ac:spMk id="8" creationId="{2EBA6096-B3A7-487C-BB6D-C2D5EC808EE8}"/>
-          </ac:spMkLst>
-        </pc:spChg>
-      </pc:sldChg>
-      <pc:sldChg chg="add">
-        <pc:chgData name="Hoàng Dương Ngọc" userId="d9335611-bcc3-4be6-8fa4-88c4225ecdff" providerId="ADAL" clId="{72A0FB6B-9944-4D3B-8E81-22B3E48A5D86}" dt="2022-09-13T01:39:08.332" v="387"/>
-        <pc:sldMkLst>
-          <pc:docMk/>
-          <pc:sldMk cId="3246887848" sldId="267"/>
-        </pc:sldMkLst>
-      </pc:sldChg>
-      <pc:sldChg chg="addSp delSp modSp add">
-        <pc:chgData name="Hoàng Dương Ngọc" userId="d9335611-bcc3-4be6-8fa4-88c4225ecdff" providerId="ADAL" clId="{72A0FB6B-9944-4D3B-8E81-22B3E48A5D86}" dt="2022-09-13T07:25:47.158" v="515" actId="208"/>
-        <pc:sldMkLst>
-          <pc:docMk/>
-          <pc:sldMk cId="966069410" sldId="268"/>
-        </pc:sldMkLst>
-        <pc:spChg chg="add mod">
-          <ac:chgData name="Hoàng Dương Ngọc" userId="d9335611-bcc3-4be6-8fa4-88c4225ecdff" providerId="ADAL" clId="{72A0FB6B-9944-4D3B-8E81-22B3E48A5D86}" dt="2022-09-13T07:24:36.080" v="440" actId="14100"/>
-          <ac:spMkLst>
-            <pc:docMk/>
-            <pc:sldMk cId="966069410" sldId="268"/>
-            <ac:spMk id="4" creationId="{750F1269-8F55-4C60-BD5D-98D478E2E849}"/>
-          </ac:spMkLst>
-        </pc:spChg>
-        <pc:spChg chg="del">
-          <ac:chgData name="Hoàng Dương Ngọc" userId="d9335611-bcc3-4be6-8fa4-88c4225ecdff" providerId="ADAL" clId="{72A0FB6B-9944-4D3B-8E81-22B3E48A5D86}" dt="2022-09-13T07:09:47.707" v="419" actId="478"/>
-          <ac:spMkLst>
-            <pc:docMk/>
-            <pc:sldMk cId="966069410" sldId="268"/>
-            <ac:spMk id="6" creationId="{20DC307A-ABB2-4A5C-8BA7-C9E71897F45E}"/>
-          </ac:spMkLst>
-        </pc:spChg>
-        <pc:spChg chg="add mod">
-          <ac:chgData name="Hoàng Dương Ngọc" userId="d9335611-bcc3-4be6-8fa4-88c4225ecdff" providerId="ADAL" clId="{72A0FB6B-9944-4D3B-8E81-22B3E48A5D86}" dt="2022-09-13T07:25:47.158" v="515" actId="208"/>
-          <ac:spMkLst>
-            <pc:docMk/>
-            <pc:sldMk cId="966069410" sldId="268"/>
-            <ac:spMk id="10" creationId="{B84787BE-8750-4497-8CF4-E859AD75CAF0}"/>
+            <pc:sldMk cId="3547981185" sldId="277"/>
+            <ac:spMk id="9" creationId="{AC5EA467-22B5-4E98-AC48-D89E65269F78}"/>
           </ac:spMkLst>
         </pc:spChg>
         <pc:picChg chg="add mod">
-          <ac:chgData name="Hoàng Dương Ngọc" userId="d9335611-bcc3-4be6-8fa4-88c4225ecdff" providerId="ADAL" clId="{72A0FB6B-9944-4D3B-8E81-22B3E48A5D86}" dt="2022-09-13T07:24:33.158" v="439" actId="1076"/>
+          <ac:chgData name="Dương Ngọc Hoàng" userId="d9335611-bcc3-4be6-8fa4-88c4225ecdff" providerId="ADAL" clId="{7C4B7FA3-6056-4BA5-87B3-0051C068659E}" dt="2024-01-02T07:09:14.086" v="53" actId="1076"/>
           <ac:picMkLst>
             <pc:docMk/>
-            <pc:sldMk cId="966069410" sldId="268"/>
-            <ac:picMk id="7" creationId="{056377BB-E74C-42A0-A824-8E3C3EBE97A3}"/>
+            <pc:sldMk cId="3547981185" sldId="277"/>
+            <ac:picMk id="5" creationId="{6C300311-B962-4DB0-A4AB-A2B5884047AB}"/>
           </ac:picMkLst>
         </pc:picChg>
         <pc:cxnChg chg="add mod">
-          <ac:chgData name="Hoàng Dương Ngọc" userId="d9335611-bcc3-4be6-8fa4-88c4225ecdff" providerId="ADAL" clId="{72A0FB6B-9944-4D3B-8E81-22B3E48A5D86}" dt="2022-09-13T07:24:53.501" v="441" actId="11529"/>
+          <ac:chgData name="Dương Ngọc Hoàng" userId="d9335611-bcc3-4be6-8fa4-88c4225ecdff" providerId="ADAL" clId="{7C4B7FA3-6056-4BA5-87B3-0051C068659E}" dt="2024-01-02T07:09:17.201" v="54" actId="14100"/>
           <ac:cxnSpMkLst>
             <pc:docMk/>
-            <pc:sldMk cId="966069410" sldId="268"/>
-            <ac:cxnSpMk id="9" creationId="{7EAAE686-4486-4C43-8EA3-686DDE876287}"/>
+            <pc:sldMk cId="3547981185" sldId="277"/>
+            <ac:cxnSpMk id="7" creationId="{DA04A6D3-A899-416C-AC87-5FC494ECB2E6}"/>
           </ac:cxnSpMkLst>
         </pc:cxnChg>
       </pc:sldChg>
-      <pc:sldChg chg="addSp delSp modSp add">
-        <pc:chgData name="Hoàng Dương Ngọc" userId="d9335611-bcc3-4be6-8fa4-88c4225ecdff" providerId="ADAL" clId="{72A0FB6B-9944-4D3B-8E81-22B3E48A5D86}" dt="2022-09-19T01:06:36.658" v="793" actId="113"/>
-        <pc:sldMkLst>
-          <pc:docMk/>
-          <pc:sldMk cId="3672381987" sldId="269"/>
-        </pc:sldMkLst>
-        <pc:spChg chg="mod">
-          <ac:chgData name="Hoàng Dương Ngọc" userId="d9335611-bcc3-4be6-8fa4-88c4225ecdff" providerId="ADAL" clId="{72A0FB6B-9944-4D3B-8E81-22B3E48A5D86}" dt="2022-09-13T07:36:21.205" v="740" actId="20577"/>
-          <ac:spMkLst>
-            <pc:docMk/>
-            <pc:sldMk cId="3672381987" sldId="269"/>
-            <ac:spMk id="2" creationId="{57491B96-5A95-497F-9EEB-2C1CEAC566AB}"/>
-          </ac:spMkLst>
-        </pc:spChg>
-        <pc:spChg chg="add mod">
-          <ac:chgData name="Hoàng Dương Ngọc" userId="d9335611-bcc3-4be6-8fa4-88c4225ecdff" providerId="ADAL" clId="{72A0FB6B-9944-4D3B-8E81-22B3E48A5D86}" dt="2022-09-13T07:29:18.680" v="577" actId="1076"/>
-          <ac:spMkLst>
-            <pc:docMk/>
-            <pc:sldMk cId="3672381987" sldId="269"/>
-            <ac:spMk id="3" creationId="{13F1EACC-308F-409E-99D0-2581F3EF9D61}"/>
-          </ac:spMkLst>
-        </pc:spChg>
-        <pc:spChg chg="mod">
-          <ac:chgData name="Hoàng Dương Ngọc" userId="d9335611-bcc3-4be6-8fa4-88c4225ecdff" providerId="ADAL" clId="{72A0FB6B-9944-4D3B-8E81-22B3E48A5D86}" dt="2022-09-13T07:29:10.602" v="574" actId="113"/>
-          <ac:spMkLst>
-            <pc:docMk/>
-            <pc:sldMk cId="3672381987" sldId="269"/>
-            <ac:spMk id="4" creationId="{750F1269-8F55-4C60-BD5D-98D478E2E849}"/>
-          </ac:spMkLst>
-        </pc:spChg>
-        <pc:spChg chg="add mod">
-          <ac:chgData name="Hoàng Dương Ngọc" userId="d9335611-bcc3-4be6-8fa4-88c4225ecdff" providerId="ADAL" clId="{72A0FB6B-9944-4D3B-8E81-22B3E48A5D86}" dt="2022-09-19T01:06:36.658" v="793" actId="113"/>
-          <ac:spMkLst>
-            <pc:docMk/>
-            <pc:sldMk cId="3672381987" sldId="269"/>
-            <ac:spMk id="8" creationId="{05DBEEF2-6336-4CA7-9BD4-E44F69153356}"/>
-          </ac:spMkLst>
-        </pc:spChg>
-        <pc:spChg chg="del">
-          <ac:chgData name="Hoàng Dương Ngọc" userId="d9335611-bcc3-4be6-8fa4-88c4225ecdff" providerId="ADAL" clId="{72A0FB6B-9944-4D3B-8E81-22B3E48A5D86}" dt="2022-09-13T07:26:47.774" v="540" actId="478"/>
-          <ac:spMkLst>
-            <pc:docMk/>
-            <pc:sldMk cId="3672381987" sldId="269"/>
-            <ac:spMk id="10" creationId="{B84787BE-8750-4497-8CF4-E859AD75CAF0}"/>
-          </ac:spMkLst>
-        </pc:spChg>
-        <pc:spChg chg="add">
-          <ac:chgData name="Hoàng Dương Ngọc" userId="d9335611-bcc3-4be6-8fa4-88c4225ecdff" providerId="ADAL" clId="{72A0FB6B-9944-4D3B-8E81-22B3E48A5D86}" dt="2022-09-13T07:36:06.713" v="739"/>
-          <ac:spMkLst>
-            <pc:docMk/>
-            <pc:sldMk cId="3672381987" sldId="269"/>
-            <ac:spMk id="11" creationId="{016E6A84-3235-4106-A16C-1D7E0EAC2A5A}"/>
-          </ac:spMkLst>
-        </pc:spChg>
-        <pc:picChg chg="del">
-          <ac:chgData name="Hoàng Dương Ngọc" userId="d9335611-bcc3-4be6-8fa4-88c4225ecdff" providerId="ADAL" clId="{72A0FB6B-9944-4D3B-8E81-22B3E48A5D86}" dt="2022-09-13T07:26:45.128" v="539" actId="478"/>
-          <ac:picMkLst>
-            <pc:docMk/>
-            <pc:sldMk cId="3672381987" sldId="269"/>
-            <ac:picMk id="7" creationId="{056377BB-E74C-42A0-A824-8E3C3EBE97A3}"/>
-          </ac:picMkLst>
-        </pc:picChg>
-        <pc:cxnChg chg="del">
-          <ac:chgData name="Hoàng Dương Ngọc" userId="d9335611-bcc3-4be6-8fa4-88c4225ecdff" providerId="ADAL" clId="{72A0FB6B-9944-4D3B-8E81-22B3E48A5D86}" dt="2022-09-13T07:26:47.774" v="540" actId="478"/>
-          <ac:cxnSpMkLst>
-            <pc:docMk/>
-            <pc:sldMk cId="3672381987" sldId="269"/>
-            <ac:cxnSpMk id="9" creationId="{7EAAE686-4486-4C43-8EA3-686DDE876287}"/>
-          </ac:cxnSpMkLst>
-        </pc:cxnChg>
-      </pc:sldChg>
-      <pc:sldChg chg="addSp modSp add">
-        <pc:chgData name="Hoàng Dương Ngọc" userId="d9335611-bcc3-4be6-8fa4-88c4225ecdff" providerId="ADAL" clId="{72A0FB6B-9944-4D3B-8E81-22B3E48A5D86}" dt="2022-09-13T07:35:52.310" v="737" actId="207"/>
-        <pc:sldMkLst>
-          <pc:docMk/>
-          <pc:sldMk cId="469293120" sldId="270"/>
-        </pc:sldMkLst>
-        <pc:spChg chg="mod">
-          <ac:chgData name="Hoàng Dương Ngọc" userId="d9335611-bcc3-4be6-8fa4-88c4225ecdff" providerId="ADAL" clId="{72A0FB6B-9944-4D3B-8E81-22B3E48A5D86}" dt="2022-09-13T07:29:44.872" v="600" actId="20577"/>
-          <ac:spMkLst>
-            <pc:docMk/>
-            <pc:sldMk cId="469293120" sldId="270"/>
-            <ac:spMk id="2" creationId="{57491B96-5A95-497F-9EEB-2C1CEAC566AB}"/>
-          </ac:spMkLst>
-        </pc:spChg>
-        <pc:spChg chg="add mod">
-          <ac:chgData name="Hoàng Dương Ngọc" userId="d9335611-bcc3-4be6-8fa4-88c4225ecdff" providerId="ADAL" clId="{72A0FB6B-9944-4D3B-8E81-22B3E48A5D86}" dt="2022-09-13T07:35:52.310" v="737" actId="207"/>
-          <ac:spMkLst>
-            <pc:docMk/>
-            <pc:sldMk cId="469293120" sldId="270"/>
-            <ac:spMk id="4" creationId="{5B60F1E2-5964-4ED4-A050-40A5DDC85FA6}"/>
-          </ac:spMkLst>
-        </pc:spChg>
-        <pc:spChg chg="mod">
-          <ac:chgData name="Hoàng Dương Ngọc" userId="d9335611-bcc3-4be6-8fa4-88c4225ecdff" providerId="ADAL" clId="{72A0FB6B-9944-4D3B-8E81-22B3E48A5D86}" dt="2022-09-13T07:30:12.706" v="602" actId="108"/>
-          <ac:spMkLst>
-            <pc:docMk/>
-            <pc:sldMk cId="469293120" sldId="270"/>
-            <ac:spMk id="6" creationId="{20DC307A-ABB2-4A5C-8BA7-C9E71897F45E}"/>
-          </ac:spMkLst>
-        </pc:spChg>
-      </pc:sldChg>
-      <pc:sldChg chg="addSp modSp add">
-        <pc:chgData name="Hoàng Dương Ngọc" userId="d9335611-bcc3-4be6-8fa4-88c4225ecdff" providerId="ADAL" clId="{72A0FB6B-9944-4D3B-8E81-22B3E48A5D86}" dt="2022-09-13T07:35:59.835" v="738"/>
-        <pc:sldMkLst>
-          <pc:docMk/>
-          <pc:sldMk cId="3058688370" sldId="271"/>
-        </pc:sldMkLst>
-        <pc:spChg chg="mod">
-          <ac:chgData name="Hoàng Dương Ngọc" userId="d9335611-bcc3-4be6-8fa4-88c4225ecdff" providerId="ADAL" clId="{72A0FB6B-9944-4D3B-8E81-22B3E48A5D86}" dt="2022-09-13T07:30:53.160" v="616" actId="14100"/>
-          <ac:spMkLst>
-            <pc:docMk/>
-            <pc:sldMk cId="3058688370" sldId="271"/>
-            <ac:spMk id="6" creationId="{20DC307A-ABB2-4A5C-8BA7-C9E71897F45E}"/>
-          </ac:spMkLst>
-        </pc:spChg>
-        <pc:spChg chg="add">
-          <ac:chgData name="Hoàng Dương Ngọc" userId="d9335611-bcc3-4be6-8fa4-88c4225ecdff" providerId="ADAL" clId="{72A0FB6B-9944-4D3B-8E81-22B3E48A5D86}" dt="2022-09-13T07:35:59.835" v="738"/>
-          <ac:spMkLst>
-            <pc:docMk/>
-            <pc:sldMk cId="3058688370" sldId="271"/>
-            <ac:spMk id="7" creationId="{60005433-A9F1-4E02-AF95-B836B3F68EFC}"/>
-          </ac:spMkLst>
-        </pc:spChg>
-        <pc:picChg chg="add mod">
-          <ac:chgData name="Hoàng Dương Ngọc" userId="d9335611-bcc3-4be6-8fa4-88c4225ecdff" providerId="ADAL" clId="{72A0FB6B-9944-4D3B-8E81-22B3E48A5D86}" dt="2022-09-13T07:33:50.675" v="618" actId="14100"/>
-          <ac:picMkLst>
-            <pc:docMk/>
-            <pc:sldMk cId="3058688370" sldId="271"/>
-            <ac:picMk id="4" creationId="{EC0F2B4C-DD10-4953-B1DC-85171465B911}"/>
-          </ac:picMkLst>
-        </pc:picChg>
-      </pc:sldChg>
-      <pc:sldChg chg="addSp delSp modSp add">
-        <pc:chgData name="Hoàng Dương Ngọc" userId="d9335611-bcc3-4be6-8fa4-88c4225ecdff" providerId="ADAL" clId="{72A0FB6B-9944-4D3B-8E81-22B3E48A5D86}" dt="2022-09-13T09:32:32.128" v="774" actId="20577"/>
-        <pc:sldMkLst>
-          <pc:docMk/>
-          <pc:sldMk cId="2976335160" sldId="272"/>
-        </pc:sldMkLst>
-        <pc:spChg chg="mod">
-          <ac:chgData name="Hoàng Dương Ngọc" userId="d9335611-bcc3-4be6-8fa4-88c4225ecdff" providerId="ADAL" clId="{72A0FB6B-9944-4D3B-8E81-22B3E48A5D86}" dt="2022-09-13T07:36:35.120" v="748" actId="20577"/>
-          <ac:spMkLst>
-            <pc:docMk/>
-            <pc:sldMk cId="2976335160" sldId="272"/>
-            <ac:spMk id="2" creationId="{57491B96-5A95-497F-9EEB-2C1CEAC566AB}"/>
-          </ac:spMkLst>
-        </pc:spChg>
-        <pc:spChg chg="add mod">
-          <ac:chgData name="Hoàng Dương Ngọc" userId="d9335611-bcc3-4be6-8fa4-88c4225ecdff" providerId="ADAL" clId="{72A0FB6B-9944-4D3B-8E81-22B3E48A5D86}" dt="2022-09-13T09:30:12.656" v="768" actId="20577"/>
-          <ac:spMkLst>
-            <pc:docMk/>
-            <pc:sldMk cId="2976335160" sldId="272"/>
-            <ac:spMk id="5" creationId="{B9ACCA83-8A72-4EFC-92D1-2B3F6B75DBC3}"/>
-          </ac:spMkLst>
-        </pc:spChg>
-        <pc:spChg chg="del mod">
-          <ac:chgData name="Hoàng Dương Ngọc" userId="d9335611-bcc3-4be6-8fa4-88c4225ecdff" providerId="ADAL" clId="{72A0FB6B-9944-4D3B-8E81-22B3E48A5D86}" dt="2022-09-13T09:32:26.579" v="771"/>
-          <ac:spMkLst>
-            <pc:docMk/>
-            <pc:sldMk cId="2976335160" sldId="272"/>
-            <ac:spMk id="6" creationId="{20DC307A-ABB2-4A5C-8BA7-C9E71897F45E}"/>
-          </ac:spMkLst>
-        </pc:spChg>
-        <pc:spChg chg="add mod">
-          <ac:chgData name="Hoàng Dương Ngọc" userId="d9335611-bcc3-4be6-8fa4-88c4225ecdff" providerId="ADAL" clId="{72A0FB6B-9944-4D3B-8E81-22B3E48A5D86}" dt="2022-09-13T09:32:32.128" v="774" actId="20577"/>
-          <ac:spMkLst>
-            <pc:docMk/>
-            <pc:sldMk cId="2976335160" sldId="272"/>
-            <ac:spMk id="7" creationId="{D927F14D-45E3-4CFE-92B0-A8EC517DC514}"/>
-          </ac:spMkLst>
-        </pc:spChg>
-        <pc:picChg chg="del">
-          <ac:chgData name="Hoàng Dương Ngọc" userId="d9335611-bcc3-4be6-8fa4-88c4225ecdff" providerId="ADAL" clId="{72A0FB6B-9944-4D3B-8E81-22B3E48A5D86}" dt="2022-09-13T09:32:11.013" v="769" actId="478"/>
-          <ac:picMkLst>
-            <pc:docMk/>
-            <pc:sldMk cId="2976335160" sldId="272"/>
-            <ac:picMk id="4" creationId="{EC0F2B4C-DD10-4953-B1DC-85171465B911}"/>
-          </ac:picMkLst>
-        </pc:picChg>
-      </pc:sldChg>
-      <pc:sldChg chg="addSp modSp add">
-        <pc:chgData name="Hoàng Dương Ngọc" userId="d9335611-bcc3-4be6-8fa4-88c4225ecdff" providerId="ADAL" clId="{72A0FB6B-9944-4D3B-8E81-22B3E48A5D86}" dt="2022-09-14T01:09:31.331" v="788" actId="208"/>
-        <pc:sldMkLst>
-          <pc:docMk/>
-          <pc:sldMk cId="2627519663" sldId="273"/>
-        </pc:sldMkLst>
-        <pc:spChg chg="mod">
-          <ac:chgData name="Hoàng Dương Ngọc" userId="d9335611-bcc3-4be6-8fa4-88c4225ecdff" providerId="ADAL" clId="{72A0FB6B-9944-4D3B-8E81-22B3E48A5D86}" dt="2022-09-13T09:33:08.984" v="785" actId="20577"/>
-          <ac:spMkLst>
-            <pc:docMk/>
-            <pc:sldMk cId="2627519663" sldId="273"/>
-            <ac:spMk id="7" creationId="{D927F14D-45E3-4CFE-92B0-A8EC517DC514}"/>
-          </ac:spMkLst>
-        </pc:spChg>
-        <pc:picChg chg="add mod">
-          <ac:chgData name="Hoàng Dương Ngọc" userId="d9335611-bcc3-4be6-8fa4-88c4225ecdff" providerId="ADAL" clId="{72A0FB6B-9944-4D3B-8E81-22B3E48A5D86}" dt="2022-09-14T01:09:31.331" v="788" actId="208"/>
-          <ac:picMkLst>
-            <pc:docMk/>
-            <pc:sldMk cId="2627519663" sldId="273"/>
-            <ac:picMk id="4" creationId="{A8BD39AF-A962-45D8-BFA1-76E8484D3B83}"/>
-          </ac:picMkLst>
-        </pc:picChg>
-      </pc:sldChg>
-      <pc:sldMasterChg chg="delSp modSp modSldLayout">
-        <pc:chgData name="Hoàng Dương Ngọc" userId="d9335611-bcc3-4be6-8fa4-88c4225ecdff" providerId="ADAL" clId="{72A0FB6B-9944-4D3B-8E81-22B3E48A5D86}" dt="2022-09-13T01:47:02.124" v="412"/>
-        <pc:sldMasterMkLst>
-          <pc:docMk/>
-          <pc:sldMasterMk cId="0" sldId="2147483648"/>
-        </pc:sldMasterMkLst>
-        <pc:spChg chg="del">
-          <ac:chgData name="Hoàng Dương Ngọc" userId="d9335611-bcc3-4be6-8fa4-88c4225ecdff" providerId="ADAL" clId="{72A0FB6B-9944-4D3B-8E81-22B3E48A5D86}" dt="2022-09-13T01:41:56.353" v="404" actId="478"/>
-          <ac:spMkLst>
-            <pc:docMk/>
-            <pc:sldMasterMk cId="0" sldId="2147483648"/>
-            <ac:spMk id="6" creationId="{00000000-0000-0000-0000-000000000000}"/>
-          </ac:spMkLst>
-        </pc:spChg>
-        <pc:picChg chg="mod">
-          <ac:chgData name="Hoàng Dương Ngọc" userId="d9335611-bcc3-4be6-8fa4-88c4225ecdff" providerId="ADAL" clId="{72A0FB6B-9944-4D3B-8E81-22B3E48A5D86}" dt="2022-09-13T01:46:31.926" v="411" actId="14100"/>
-          <ac:picMkLst>
-            <pc:docMk/>
-            <pc:sldMasterMk cId="0" sldId="2147483648"/>
-            <ac:picMk id="36" creationId="{984A42FA-852B-483A-AE5C-0E997ACCBC0B}"/>
-          </ac:picMkLst>
-        </pc:picChg>
-        <pc:sldLayoutChg chg="addSp delSp modSp setBg">
-          <pc:chgData name="Hoàng Dương Ngọc" userId="d9335611-bcc3-4be6-8fa4-88c4225ecdff" providerId="ADAL" clId="{72A0FB6B-9944-4D3B-8E81-22B3E48A5D86}" dt="2022-09-13T01:47:02.124" v="412"/>
-          <pc:sldLayoutMkLst>
-            <pc:docMk/>
-            <pc:sldMasterMk cId="0" sldId="2147483648"/>
-            <pc:sldLayoutMk cId="0" sldId="2147483649"/>
-          </pc:sldLayoutMkLst>
-          <pc:spChg chg="mod">
-            <ac:chgData name="Hoàng Dương Ngọc" userId="d9335611-bcc3-4be6-8fa4-88c4225ecdff" providerId="ADAL" clId="{72A0FB6B-9944-4D3B-8E81-22B3E48A5D86}" dt="2022-09-13T01:16:26.732" v="159" actId="207"/>
-            <ac:spMkLst>
-              <pc:docMk/>
-              <pc:sldMasterMk cId="0" sldId="2147483648"/>
-              <pc:sldLayoutMk cId="0" sldId="2147483649"/>
-              <ac:spMk id="7" creationId="{00000000-0000-0000-0000-000000000000}"/>
-            </ac:spMkLst>
-          </pc:spChg>
-          <pc:picChg chg="add">
-            <ac:chgData name="Hoàng Dương Ngọc" userId="d9335611-bcc3-4be6-8fa4-88c4225ecdff" providerId="ADAL" clId="{72A0FB6B-9944-4D3B-8E81-22B3E48A5D86}" dt="2022-09-13T01:47:02.124" v="412"/>
-            <ac:picMkLst>
-              <pc:docMk/>
-              <pc:sldMasterMk cId="0" sldId="2147483648"/>
-              <pc:sldLayoutMk cId="0" sldId="2147483649"/>
-              <ac:picMk id="9" creationId="{B6ED7D60-BEFC-4C1F-A5BB-37C79F9E5CC5}"/>
-            </ac:picMkLst>
-          </pc:picChg>
-          <pc:picChg chg="del">
-            <ac:chgData name="Hoàng Dương Ngọc" userId="d9335611-bcc3-4be6-8fa4-88c4225ecdff" providerId="ADAL" clId="{72A0FB6B-9944-4D3B-8E81-22B3E48A5D86}" dt="2022-09-13T01:18:23.746" v="173" actId="478"/>
-            <ac:picMkLst>
-              <pc:docMk/>
-              <pc:sldMasterMk cId="0" sldId="2147483648"/>
-              <pc:sldLayoutMk cId="0" sldId="2147483649"/>
-              <ac:picMk id="17" creationId="{0549CF85-953C-47D0-97CC-75EC4B12BAFC}"/>
-            </ac:picMkLst>
-          </pc:picChg>
-        </pc:sldLayoutChg>
-        <pc:sldLayoutChg chg="delSp modSp setBg">
-          <pc:chgData name="Hoàng Dương Ngọc" userId="d9335611-bcc3-4be6-8fa4-88c4225ecdff" providerId="ADAL" clId="{72A0FB6B-9944-4D3B-8E81-22B3E48A5D86}" dt="2022-09-13T01:42:50.918" v="408" actId="478"/>
-          <pc:sldLayoutMkLst>
-            <pc:docMk/>
-            <pc:sldMasterMk cId="0" sldId="2147483648"/>
-            <pc:sldLayoutMk cId="0" sldId="2147483650"/>
-          </pc:sldLayoutMkLst>
-          <pc:spChg chg="del">
-            <ac:chgData name="Hoàng Dương Ngọc" userId="d9335611-bcc3-4be6-8fa4-88c4225ecdff" providerId="ADAL" clId="{72A0FB6B-9944-4D3B-8E81-22B3E48A5D86}" dt="2022-09-13T01:42:50.918" v="408" actId="478"/>
-            <ac:spMkLst>
-              <pc:docMk/>
-              <pc:sldMasterMk cId="0" sldId="2147483648"/>
-              <pc:sldLayoutMk cId="0" sldId="2147483650"/>
-              <ac:spMk id="6" creationId="{00000000-0000-0000-0000-000000000000}"/>
-            </ac:spMkLst>
-          </pc:spChg>
-          <pc:spChg chg="del mod">
-            <ac:chgData name="Hoàng Dương Ngọc" userId="d9335611-bcc3-4be6-8fa4-88c4225ecdff" providerId="ADAL" clId="{72A0FB6B-9944-4D3B-8E81-22B3E48A5D86}" dt="2022-09-13T01:42:49.452" v="407" actId="478"/>
-            <ac:spMkLst>
-              <pc:docMk/>
-              <pc:sldMasterMk cId="0" sldId="2147483648"/>
-              <pc:sldLayoutMk cId="0" sldId="2147483650"/>
-              <ac:spMk id="8" creationId="{00000000-0000-0000-0000-000000000000}"/>
-            </ac:spMkLst>
-          </pc:spChg>
-        </pc:sldLayoutChg>
-        <pc:sldLayoutChg chg="modSp setBg">
-          <pc:chgData name="Hoàng Dương Ngọc" userId="d9335611-bcc3-4be6-8fa4-88c4225ecdff" providerId="ADAL" clId="{72A0FB6B-9944-4D3B-8E81-22B3E48A5D86}" dt="2022-09-13T01:32:20.402" v="254"/>
-          <pc:sldLayoutMkLst>
-            <pc:docMk/>
-            <pc:sldMasterMk cId="0" sldId="2147483648"/>
-            <pc:sldLayoutMk cId="0" sldId="2147483651"/>
-          </pc:sldLayoutMkLst>
-          <pc:spChg chg="mod">
-            <ac:chgData name="Hoàng Dương Ngọc" userId="d9335611-bcc3-4be6-8fa4-88c4225ecdff" providerId="ADAL" clId="{72A0FB6B-9944-4D3B-8E81-22B3E48A5D86}" dt="2022-09-13T01:17:15.461" v="163" actId="207"/>
-            <ac:spMkLst>
-              <pc:docMk/>
-              <pc:sldMasterMk cId="0" sldId="2147483648"/>
-              <pc:sldLayoutMk cId="0" sldId="2147483651"/>
-              <ac:spMk id="9" creationId="{00000000-0000-0000-0000-000000000000}"/>
-            </ac:spMkLst>
-          </pc:spChg>
-        </pc:sldLayoutChg>
-        <pc:sldLayoutChg chg="modSp setBg">
-          <pc:chgData name="Hoàng Dương Ngọc" userId="d9335611-bcc3-4be6-8fa4-88c4225ecdff" providerId="ADAL" clId="{72A0FB6B-9944-4D3B-8E81-22B3E48A5D86}" dt="2022-09-13T01:32:20.402" v="254"/>
-          <pc:sldLayoutMkLst>
-            <pc:docMk/>
-            <pc:sldMasterMk cId="0" sldId="2147483648"/>
-            <pc:sldLayoutMk cId="0" sldId="2147483652"/>
-          </pc:sldLayoutMkLst>
-          <pc:spChg chg="mod">
-            <ac:chgData name="Hoàng Dương Ngọc" userId="d9335611-bcc3-4be6-8fa4-88c4225ecdff" providerId="ADAL" clId="{72A0FB6B-9944-4D3B-8E81-22B3E48A5D86}" dt="2022-09-13T01:17:19.358" v="164" actId="207"/>
-            <ac:spMkLst>
-              <pc:docMk/>
-              <pc:sldMasterMk cId="0" sldId="2147483648"/>
-              <pc:sldLayoutMk cId="0" sldId="2147483652"/>
-              <ac:spMk id="10" creationId="{00000000-0000-0000-0000-000000000000}"/>
-            </ac:spMkLst>
-          </pc:spChg>
-        </pc:sldLayoutChg>
-        <pc:sldLayoutChg chg="modSp setBg">
-          <pc:chgData name="Hoàng Dương Ngọc" userId="d9335611-bcc3-4be6-8fa4-88c4225ecdff" providerId="ADAL" clId="{72A0FB6B-9944-4D3B-8E81-22B3E48A5D86}" dt="2022-09-13T01:32:20.402" v="254"/>
-          <pc:sldLayoutMkLst>
-            <pc:docMk/>
-            <pc:sldMasterMk cId="0" sldId="2147483648"/>
-            <pc:sldLayoutMk cId="0" sldId="2147483653"/>
-          </pc:sldLayoutMkLst>
-          <pc:spChg chg="mod">
-            <ac:chgData name="Hoàng Dương Ngọc" userId="d9335611-bcc3-4be6-8fa4-88c4225ecdff" providerId="ADAL" clId="{72A0FB6B-9944-4D3B-8E81-22B3E48A5D86}" dt="2022-09-13T01:17:22.389" v="165" actId="207"/>
-            <ac:spMkLst>
-              <pc:docMk/>
-              <pc:sldMasterMk cId="0" sldId="2147483648"/>
-              <pc:sldLayoutMk cId="0" sldId="2147483653"/>
-              <ac:spMk id="12" creationId="{00000000-0000-0000-0000-000000000000}"/>
-            </ac:spMkLst>
-          </pc:spChg>
-        </pc:sldLayoutChg>
-        <pc:sldLayoutChg chg="modSp setBg">
-          <pc:chgData name="Hoàng Dương Ngọc" userId="d9335611-bcc3-4be6-8fa4-88c4225ecdff" providerId="ADAL" clId="{72A0FB6B-9944-4D3B-8E81-22B3E48A5D86}" dt="2022-09-13T01:32:20.402" v="254"/>
-          <pc:sldLayoutMkLst>
-            <pc:docMk/>
-            <pc:sldMasterMk cId="0" sldId="2147483648"/>
-            <pc:sldLayoutMk cId="0" sldId="2147483654"/>
-          </pc:sldLayoutMkLst>
-          <pc:spChg chg="mod">
-            <ac:chgData name="Hoàng Dương Ngọc" userId="d9335611-bcc3-4be6-8fa4-88c4225ecdff" providerId="ADAL" clId="{72A0FB6B-9944-4D3B-8E81-22B3E48A5D86}" dt="2022-09-13T01:17:24.174" v="166" actId="207"/>
-            <ac:spMkLst>
-              <pc:docMk/>
-              <pc:sldMasterMk cId="0" sldId="2147483648"/>
-              <pc:sldLayoutMk cId="0" sldId="2147483654"/>
-              <ac:spMk id="7" creationId="{00000000-0000-0000-0000-000000000000}"/>
-            </ac:spMkLst>
-          </pc:spChg>
-        </pc:sldLayoutChg>
-        <pc:sldLayoutChg chg="modSp setBg">
-          <pc:chgData name="Hoàng Dương Ngọc" userId="d9335611-bcc3-4be6-8fa4-88c4225ecdff" providerId="ADAL" clId="{72A0FB6B-9944-4D3B-8E81-22B3E48A5D86}" dt="2022-09-13T01:32:20.402" v="254"/>
-          <pc:sldLayoutMkLst>
-            <pc:docMk/>
-            <pc:sldMasterMk cId="0" sldId="2147483648"/>
-            <pc:sldLayoutMk cId="0" sldId="2147483655"/>
-          </pc:sldLayoutMkLst>
-          <pc:spChg chg="mod">
-            <ac:chgData name="Hoàng Dương Ngọc" userId="d9335611-bcc3-4be6-8fa4-88c4225ecdff" providerId="ADAL" clId="{72A0FB6B-9944-4D3B-8E81-22B3E48A5D86}" dt="2022-09-13T01:17:25.683" v="167" actId="207"/>
-            <ac:spMkLst>
-              <pc:docMk/>
-              <pc:sldMasterMk cId="0" sldId="2147483648"/>
-              <pc:sldLayoutMk cId="0" sldId="2147483655"/>
-              <ac:spMk id="6" creationId="{00000000-0000-0000-0000-000000000000}"/>
-            </ac:spMkLst>
-          </pc:spChg>
-        </pc:sldLayoutChg>
-        <pc:sldLayoutChg chg="modSp setBg">
-          <pc:chgData name="Hoàng Dương Ngọc" userId="d9335611-bcc3-4be6-8fa4-88c4225ecdff" providerId="ADAL" clId="{72A0FB6B-9944-4D3B-8E81-22B3E48A5D86}" dt="2022-09-13T01:32:20.402" v="254"/>
-          <pc:sldLayoutMkLst>
-            <pc:docMk/>
-            <pc:sldMasterMk cId="0" sldId="2147483648"/>
-            <pc:sldLayoutMk cId="0" sldId="2147483656"/>
-          </pc:sldLayoutMkLst>
-          <pc:spChg chg="mod">
-            <ac:chgData name="Hoàng Dương Ngọc" userId="d9335611-bcc3-4be6-8fa4-88c4225ecdff" providerId="ADAL" clId="{72A0FB6B-9944-4D3B-8E81-22B3E48A5D86}" dt="2022-09-13T01:17:27.192" v="168" actId="207"/>
-            <ac:spMkLst>
-              <pc:docMk/>
-              <pc:sldMasterMk cId="0" sldId="2147483648"/>
-              <pc:sldLayoutMk cId="0" sldId="2147483656"/>
-              <ac:spMk id="9" creationId="{00000000-0000-0000-0000-000000000000}"/>
-            </ac:spMkLst>
-          </pc:spChg>
-        </pc:sldLayoutChg>
-        <pc:sldLayoutChg chg="modSp setBg">
-          <pc:chgData name="Hoàng Dương Ngọc" userId="d9335611-bcc3-4be6-8fa4-88c4225ecdff" providerId="ADAL" clId="{72A0FB6B-9944-4D3B-8E81-22B3E48A5D86}" dt="2022-09-13T01:32:20.402" v="254"/>
-          <pc:sldLayoutMkLst>
-            <pc:docMk/>
-            <pc:sldMasterMk cId="0" sldId="2147483648"/>
-            <pc:sldLayoutMk cId="0" sldId="2147483657"/>
-          </pc:sldLayoutMkLst>
-          <pc:spChg chg="mod">
-            <ac:chgData name="Hoàng Dương Ngọc" userId="d9335611-bcc3-4be6-8fa4-88c4225ecdff" providerId="ADAL" clId="{72A0FB6B-9944-4D3B-8E81-22B3E48A5D86}" dt="2022-09-13T01:17:30.509" v="169" actId="207"/>
-            <ac:spMkLst>
-              <pc:docMk/>
-              <pc:sldMasterMk cId="0" sldId="2147483648"/>
-              <pc:sldLayoutMk cId="0" sldId="2147483657"/>
-              <ac:spMk id="9" creationId="{00000000-0000-0000-0000-000000000000}"/>
-            </ac:spMkLst>
-          </pc:spChg>
-        </pc:sldLayoutChg>
-        <pc:sldLayoutChg chg="setBg">
-          <pc:chgData name="Hoàng Dương Ngọc" userId="d9335611-bcc3-4be6-8fa4-88c4225ecdff" providerId="ADAL" clId="{72A0FB6B-9944-4D3B-8E81-22B3E48A5D86}" dt="2022-09-13T01:32:20.402" v="254"/>
-          <pc:sldLayoutMkLst>
-            <pc:docMk/>
-            <pc:sldMasterMk cId="0" sldId="2147483648"/>
-            <pc:sldLayoutMk cId="0" sldId="2147483658"/>
-          </pc:sldLayoutMkLst>
-        </pc:sldLayoutChg>
-        <pc:sldLayoutChg chg="setBg">
-          <pc:chgData name="Hoàng Dương Ngọc" userId="d9335611-bcc3-4be6-8fa4-88c4225ecdff" providerId="ADAL" clId="{72A0FB6B-9944-4D3B-8E81-22B3E48A5D86}" dt="2022-09-13T01:32:20.402" v="254"/>
-          <pc:sldLayoutMkLst>
-            <pc:docMk/>
-            <pc:sldMasterMk cId="0" sldId="2147483648"/>
-            <pc:sldLayoutMk cId="0" sldId="2147483659"/>
-          </pc:sldLayoutMkLst>
-        </pc:sldLayoutChg>
-        <pc:sldLayoutChg chg="modSp setBg">
-          <pc:chgData name="Hoàng Dương Ngọc" userId="d9335611-bcc3-4be6-8fa4-88c4225ecdff" providerId="ADAL" clId="{72A0FB6B-9944-4D3B-8E81-22B3E48A5D86}" dt="2022-09-13T01:32:20.402" v="254"/>
-          <pc:sldLayoutMkLst>
-            <pc:docMk/>
-            <pc:sldMasterMk cId="0" sldId="2147483648"/>
-            <pc:sldLayoutMk cId="0" sldId="2147483660"/>
-          </pc:sldLayoutMkLst>
-          <pc:spChg chg="mod">
-            <ac:chgData name="Hoàng Dương Ngọc" userId="d9335611-bcc3-4be6-8fa4-88c4225ecdff" providerId="ADAL" clId="{72A0FB6B-9944-4D3B-8E81-22B3E48A5D86}" dt="2022-09-13T01:17:31.764" v="170" actId="207"/>
-            <ac:spMkLst>
-              <pc:docMk/>
-              <pc:sldMasterMk cId="0" sldId="2147483648"/>
-              <pc:sldLayoutMk cId="0" sldId="2147483660"/>
-              <ac:spMk id="9" creationId="{00000000-0000-0000-0000-000000000000}"/>
-            </ac:spMkLst>
-          </pc:spChg>
-        </pc:sldLayoutChg>
-        <pc:sldLayoutChg chg="modSp setBg">
-          <pc:chgData name="Hoàng Dương Ngọc" userId="d9335611-bcc3-4be6-8fa4-88c4225ecdff" providerId="ADAL" clId="{72A0FB6B-9944-4D3B-8E81-22B3E48A5D86}" dt="2022-09-13T01:32:20.402" v="254"/>
-          <pc:sldLayoutMkLst>
-            <pc:docMk/>
-            <pc:sldMasterMk cId="0" sldId="2147483648"/>
-            <pc:sldLayoutMk cId="0" sldId="2147483661"/>
-          </pc:sldLayoutMkLst>
-          <pc:spChg chg="mod">
-            <ac:chgData name="Hoàng Dương Ngọc" userId="d9335611-bcc3-4be6-8fa4-88c4225ecdff" providerId="ADAL" clId="{72A0FB6B-9944-4D3B-8E81-22B3E48A5D86}" dt="2022-09-13T01:17:33.239" v="171" actId="207"/>
-            <ac:spMkLst>
-              <pc:docMk/>
-              <pc:sldMasterMk cId="0" sldId="2147483648"/>
-              <pc:sldLayoutMk cId="0" sldId="2147483661"/>
-              <ac:spMk id="11" creationId="{00000000-0000-0000-0000-000000000000}"/>
-            </ac:spMkLst>
-          </pc:spChg>
-        </pc:sldLayoutChg>
-        <pc:sldLayoutChg chg="modSp setBg">
-          <pc:chgData name="Hoàng Dương Ngọc" userId="d9335611-bcc3-4be6-8fa4-88c4225ecdff" providerId="ADAL" clId="{72A0FB6B-9944-4D3B-8E81-22B3E48A5D86}" dt="2022-09-13T01:32:20.402" v="254"/>
-          <pc:sldLayoutMkLst>
-            <pc:docMk/>
-            <pc:sldMasterMk cId="0" sldId="2147483648"/>
-            <pc:sldLayoutMk cId="0" sldId="2147483662"/>
-          </pc:sldLayoutMkLst>
-          <pc:spChg chg="mod">
-            <ac:chgData name="Hoàng Dương Ngọc" userId="d9335611-bcc3-4be6-8fa4-88c4225ecdff" providerId="ADAL" clId="{72A0FB6B-9944-4D3B-8E81-22B3E48A5D86}" dt="2022-09-13T01:17:35.295" v="172" actId="207"/>
-            <ac:spMkLst>
-              <pc:docMk/>
-              <pc:sldMasterMk cId="0" sldId="2147483648"/>
-              <pc:sldLayoutMk cId="0" sldId="2147483662"/>
-              <ac:spMk id="9" creationId="{00000000-0000-0000-0000-000000000000}"/>
-            </ac:spMkLst>
-          </pc:spChg>
-        </pc:sldLayoutChg>
-        <pc:sldLayoutChg chg="setBg">
-          <pc:chgData name="Hoàng Dương Ngọc" userId="d9335611-bcc3-4be6-8fa4-88c4225ecdff" providerId="ADAL" clId="{72A0FB6B-9944-4D3B-8E81-22B3E48A5D86}" dt="2022-09-13T01:32:20.402" v="254"/>
-          <pc:sldLayoutMkLst>
-            <pc:docMk/>
-            <pc:sldMasterMk cId="0" sldId="2147483648"/>
-            <pc:sldLayoutMk cId="0" sldId="2147483663"/>
-          </pc:sldLayoutMkLst>
-        </pc:sldLayoutChg>
-        <pc:sldLayoutChg chg="setBg">
-          <pc:chgData name="Hoàng Dương Ngọc" userId="d9335611-bcc3-4be6-8fa4-88c4225ecdff" providerId="ADAL" clId="{72A0FB6B-9944-4D3B-8E81-22B3E48A5D86}" dt="2022-09-13T01:32:20.402" v="254"/>
-          <pc:sldLayoutMkLst>
-            <pc:docMk/>
-            <pc:sldMasterMk cId="0" sldId="2147483648"/>
-            <pc:sldLayoutMk cId="0" sldId="2147483664"/>
-          </pc:sldLayoutMkLst>
-        </pc:sldLayoutChg>
-      </pc:sldMasterChg>
     </pc:docChg>
+  </pc:docChgLst>
+  <pc:docChgLst>
+    <pc:chgData name="Dương Ngọc Hoàng" userId="d9335611-bcc3-4be6-8fa4-88c4225ecdff" providerId="ADAL" clId="{39177887-3B98-4B59-A681-72DC08685284}"/>
+  </pc:docChgLst>
+  <pc:docChgLst>
+    <pc:chgData name="Hoàng Dương Ngọc" userId="d9335611-bcc3-4be6-8fa4-88c4225ecdff" providerId="ADAL" clId="{72A0FB6B-9944-4D3B-8E81-22B3E48A5D86}"/>
   </pc:docChgLst>
 </pc:chgInfo>
 </file>
@@ -1337,7 +341,7 @@
           <a:p>
             <a:fld id="{B44F9B6C-DD77-46CA-8C53-2A57262920C8}" type="datetimeFigureOut">
               <a:rPr lang="en-US" smtClean="0"/>
-              <a:t>10/28/2022</a:t>
+              <a:t>1/2/2024</a:t>
             </a:fld>
             <a:endParaRPr lang="en-US"/>
           </a:p>
@@ -1626,7 +630,7 @@
             <a:fld id="{B61BEF0D-F0BB-DE4B-95CE-6DB70DBA9567}" type="datetimeFigureOut">
               <a:rPr lang="en-US" dirty="0"/>
               <a:pPr/>
-              <a:t>10/28/2022</a:t>
+              <a:t>1/2/2024</a:t>
             </a:fld>
             <a:endParaRPr lang="en-US" dirty="0"/>
           </a:p>
@@ -1999,7 +1003,7 @@
             <a:fld id="{B61BEF0D-F0BB-DE4B-95CE-6DB70DBA9567}" type="datetimeFigureOut">
               <a:rPr lang="en-US" dirty="0"/>
               <a:pPr/>
-              <a:t>10/28/2022</a:t>
+              <a:t>1/2/2024</a:t>
             </a:fld>
             <a:endParaRPr lang="en-US" dirty="0"/>
           </a:p>
@@ -2405,7 +1409,7 @@
             <a:fld id="{B61BEF0D-F0BB-DE4B-95CE-6DB70DBA9567}" type="datetimeFigureOut">
               <a:rPr lang="en-US" dirty="0"/>
               <a:pPr/>
-              <a:t>10/28/2022</a:t>
+              <a:t>1/2/2024</a:t>
             </a:fld>
             <a:endParaRPr lang="en-US" dirty="0"/>
           </a:p>
@@ -2746,7 +1750,7 @@
             <a:fld id="{B61BEF0D-F0BB-DE4B-95CE-6DB70DBA9567}" type="datetimeFigureOut">
               <a:rPr lang="en-US" dirty="0"/>
               <a:pPr/>
-              <a:t>10/28/2022</a:t>
+              <a:t>1/2/2024</a:t>
             </a:fld>
             <a:endParaRPr lang="en-US" dirty="0"/>
           </a:p>
@@ -3071,7 +2075,7 @@
             <a:fld id="{B61BEF0D-F0BB-DE4B-95CE-6DB70DBA9567}" type="datetimeFigureOut">
               <a:rPr lang="en-US" dirty="0"/>
               <a:pPr/>
-              <a:t>10/28/2022</a:t>
+              <a:t>1/2/2024</a:t>
             </a:fld>
             <a:endParaRPr lang="en-US" dirty="0"/>
           </a:p>
@@ -3472,7 +2476,7 @@
             <a:fld id="{B61BEF0D-F0BB-DE4B-95CE-6DB70DBA9567}" type="datetimeFigureOut">
               <a:rPr lang="en-US" dirty="0"/>
               <a:pPr/>
-              <a:t>10/28/2022</a:t>
+              <a:t>1/2/2024</a:t>
             </a:fld>
             <a:endParaRPr lang="en-US" dirty="0"/>
           </a:p>
@@ -3734,7 +2738,7 @@
             <a:fld id="{B61BEF0D-F0BB-DE4B-95CE-6DB70DBA9567}" type="datetimeFigureOut">
               <a:rPr lang="en-US" dirty="0"/>
               <a:pPr/>
-              <a:t>10/28/2022</a:t>
+              <a:t>1/2/2024</a:t>
             </a:fld>
             <a:endParaRPr lang="en-US" dirty="0"/>
           </a:p>
@@ -4006,7 +3010,7 @@
             <a:fld id="{B61BEF0D-F0BB-DE4B-95CE-6DB70DBA9567}" type="datetimeFigureOut">
               <a:rPr lang="en-US" dirty="0"/>
               <a:pPr/>
-              <a:t>10/28/2022</a:t>
+              <a:t>1/2/2024</a:t>
             </a:fld>
             <a:endParaRPr lang="en-US" dirty="0"/>
           </a:p>
@@ -4278,7 +3282,7 @@
             <a:fld id="{B61BEF0D-F0BB-DE4B-95CE-6DB70DBA9567}" type="datetimeFigureOut">
               <a:rPr lang="en-US" dirty="0"/>
               <a:pPr/>
-              <a:t>10/28/2022</a:t>
+              <a:t>1/2/2024</a:t>
             </a:fld>
             <a:endParaRPr lang="en-US" dirty="0"/>
           </a:p>
@@ -4503,7 +3507,7 @@
             <a:fld id="{B61BEF0D-F0BB-DE4B-95CE-6DB70DBA9567}" type="datetimeFigureOut">
               <a:rPr lang="en-US" dirty="0"/>
               <a:pPr/>
-              <a:t>10/28/2022</a:t>
+              <a:t>1/2/2024</a:t>
             </a:fld>
             <a:endParaRPr lang="en-US" dirty="0"/>
           </a:p>
@@ -4831,7 +3835,7 @@
             <a:fld id="{B61BEF0D-F0BB-DE4B-95CE-6DB70DBA9567}" type="datetimeFigureOut">
               <a:rPr lang="en-US" dirty="0"/>
               <a:pPr/>
-              <a:t>10/28/2022</a:t>
+              <a:t>1/2/2024</a:t>
             </a:fld>
             <a:endParaRPr lang="en-US" dirty="0"/>
           </a:p>
@@ -5293,7 +4297,7 @@
             <a:fld id="{B61BEF0D-F0BB-DE4B-95CE-6DB70DBA9567}" type="datetimeFigureOut">
               <a:rPr lang="en-US" dirty="0"/>
               <a:pPr/>
-              <a:t>10/28/2022</a:t>
+              <a:t>1/2/2024</a:t>
             </a:fld>
             <a:endParaRPr lang="en-US" dirty="0"/>
           </a:p>
@@ -5503,7 +4507,7 @@
             <a:fld id="{B61BEF0D-F0BB-DE4B-95CE-6DB70DBA9567}" type="datetimeFigureOut">
               <a:rPr lang="en-US" dirty="0"/>
               <a:pPr/>
-              <a:t>10/28/2022</a:t>
+              <a:t>1/2/2024</a:t>
             </a:fld>
             <a:endParaRPr lang="en-US" dirty="0"/>
           </a:p>
@@ -5690,7 +4694,7 @@
             <a:fld id="{B61BEF0D-F0BB-DE4B-95CE-6DB70DBA9567}" type="datetimeFigureOut">
               <a:rPr lang="en-US" dirty="0"/>
               <a:pPr/>
-              <a:t>10/28/2022</a:t>
+              <a:t>1/2/2024</a:t>
             </a:fld>
             <a:endParaRPr lang="en-US" dirty="0"/>
           </a:p>
@@ -6033,7 +5037,7 @@
             <a:fld id="{B61BEF0D-F0BB-DE4B-95CE-6DB70DBA9567}" type="datetimeFigureOut">
               <a:rPr lang="en-US" dirty="0"/>
               <a:pPr/>
-              <a:t>10/28/2022</a:t>
+              <a:t>1/2/2024</a:t>
             </a:fld>
             <a:endParaRPr lang="en-US" dirty="0"/>
           </a:p>
@@ -6388,7 +5392,7 @@
             <a:fld id="{B61BEF0D-F0BB-DE4B-95CE-6DB70DBA9567}" type="datetimeFigureOut">
               <a:rPr lang="en-US" dirty="0"/>
               <a:pPr/>
-              <a:t>10/28/2022</a:t>
+              <a:t>1/2/2024</a:t>
             </a:fld>
             <a:endParaRPr lang="en-US" dirty="0"/>
           </a:p>
@@ -8488,7 +7492,7 @@
             <a:fld id="{B61BEF0D-F0BB-DE4B-95CE-6DB70DBA9567}" type="datetimeFigureOut">
               <a:rPr lang="en-US" smtClean="0"/>
               <a:pPr/>
-              <a:t>10/28/2022</a:t>
+              <a:t>1/2/2024</a:t>
             </a:fld>
             <a:endParaRPr lang="en-US" dirty="0"/>
           </a:p>
@@ -12470,6 +11474,12 @@
               <a:t>Tra cứu định danh</a:t>
             </a:r>
           </a:p>
+          <a:p>
+            <a:r>
+              <a:rPr lang="en-US" sz="3600"/>
+              <a:t>Tra cứu định danh khách hang đăng ký</a:t>
+            </a:r>
+          </a:p>
         </p:txBody>
       </p:sp>
     </p:spTree>
@@ -14041,6 +13051,261 @@
     <p:extLst>
       <p:ext uri="{BB962C8B-B14F-4D97-AF65-F5344CB8AC3E}">
         <p14:creationId xmlns:p14="http://schemas.microsoft.com/office/powerpoint/2010/main" val="673946341"/>
+      </p:ext>
+    </p:extLst>
+  </p:cSld>
+  <p:clrMapOvr>
+    <a:masterClrMapping/>
+  </p:clrMapOvr>
+</p:sld>
+</file>
+
+<file path=ppt/slides/slide21.xml><?xml version="1.0" encoding="utf-8"?>
+<p:sld xmlns:a="http://schemas.openxmlformats.org/drawingml/2006/main" xmlns:r="http://schemas.openxmlformats.org/officeDocument/2006/relationships" xmlns:p="http://schemas.openxmlformats.org/presentationml/2006/main">
+  <p:cSld>
+    <p:spTree>
+      <p:nvGrpSpPr>
+        <p:cNvPr id="1" name=""/>
+        <p:cNvGrpSpPr/>
+        <p:nvPr/>
+      </p:nvGrpSpPr>
+      <p:grpSpPr>
+        <a:xfrm>
+          <a:off x="0" y="0"/>
+          <a:ext cx="0" cy="0"/>
+          <a:chOff x="0" y="0"/>
+          <a:chExt cx="0" cy="0"/>
+        </a:xfrm>
+      </p:grpSpPr>
+      <p:sp>
+        <p:nvSpPr>
+          <p:cNvPr id="2" name="Title 1">
+            <a:extLst>
+              <a:ext uri="{FF2B5EF4-FFF2-40B4-BE49-F238E27FC236}">
+                <a16:creationId xmlns:a16="http://schemas.microsoft.com/office/drawing/2014/main" id="{F37A83C8-4CEE-478F-AAAE-AB4823FD0EE7}"/>
+              </a:ext>
+            </a:extLst>
+          </p:cNvPr>
+          <p:cNvSpPr>
+            <a:spLocks noGrp="1"/>
+          </p:cNvSpPr>
+          <p:nvPr>
+            <p:ph type="title"/>
+          </p:nvPr>
+        </p:nvSpPr>
+        <p:spPr/>
+        <p:txBody>
+          <a:bodyPr/>
+          <a:lstStyle/>
+          <a:p>
+            <a:r>
+              <a:rPr lang="en-US"/>
+              <a:t>Tra cứu định danh khách hang đăng ký</a:t>
+            </a:r>
+          </a:p>
+        </p:txBody>
+      </p:sp>
+      <p:pic>
+        <p:nvPicPr>
+          <p:cNvPr id="5" name="Content Placeholder 4">
+            <a:extLst>
+              <a:ext uri="{FF2B5EF4-FFF2-40B4-BE49-F238E27FC236}">
+                <a16:creationId xmlns:a16="http://schemas.microsoft.com/office/drawing/2014/main" id="{6C300311-B962-4DB0-A4AB-A2B5884047AB}"/>
+              </a:ext>
+            </a:extLst>
+          </p:cNvPr>
+          <p:cNvPicPr>
+            <a:picLocks noGrp="1" noChangeAspect="1"/>
+          </p:cNvPicPr>
+          <p:nvPr>
+            <p:ph idx="1"/>
+          </p:nvPr>
+        </p:nvPicPr>
+        <p:blipFill>
+          <a:blip r:embed="rId2"/>
+          <a:stretch>
+            <a:fillRect/>
+          </a:stretch>
+        </p:blipFill>
+        <p:spPr>
+          <a:xfrm>
+            <a:off x="3327332" y="2594477"/>
+            <a:ext cx="6025998" cy="3778250"/>
+          </a:xfrm>
+        </p:spPr>
+      </p:pic>
+      <p:sp>
+        <p:nvSpPr>
+          <p:cNvPr id="6" name="TextBox 5">
+            <a:extLst>
+              <a:ext uri="{FF2B5EF4-FFF2-40B4-BE49-F238E27FC236}">
+                <a16:creationId xmlns:a16="http://schemas.microsoft.com/office/drawing/2014/main" id="{33EEC58C-C5D3-4DCF-B58D-0D3131A40625}"/>
+              </a:ext>
+            </a:extLst>
+          </p:cNvPr>
+          <p:cNvSpPr txBox="1"/>
+          <p:nvPr/>
+        </p:nvSpPr>
+        <p:spPr>
+          <a:xfrm>
+            <a:off x="1095854" y="1790401"/>
+            <a:ext cx="2071688" cy="369332"/>
+          </a:xfrm>
+          <a:prstGeom prst="rect">
+            <a:avLst/>
+          </a:prstGeom>
+          <a:noFill/>
+        </p:spPr>
+        <p:txBody>
+          <a:bodyPr wrap="square" rtlCol="0">
+            <a:spAutoFit/>
+          </a:bodyPr>
+          <a:lstStyle/>
+          <a:p>
+            <a:r>
+              <a:rPr lang="en-US">
+                <a:latin typeface="Tahoma" panose="020B0604030504040204" pitchFamily="34" charset="0"/>
+                <a:ea typeface="Tahoma" panose="020B0604030504040204" pitchFamily="34" charset="0"/>
+                <a:cs typeface="Tahoma" panose="020B0604030504040204" pitchFamily="34" charset="0"/>
+              </a:rPr>
+              <a:t>Nhập token</a:t>
+            </a:r>
+          </a:p>
+        </p:txBody>
+      </p:sp>
+      <p:cxnSp>
+        <p:nvCxnSpPr>
+          <p:cNvPr id="7" name="Straight Arrow Connector 6">
+            <a:extLst>
+              <a:ext uri="{FF2B5EF4-FFF2-40B4-BE49-F238E27FC236}">
+                <a16:creationId xmlns:a16="http://schemas.microsoft.com/office/drawing/2014/main" id="{DA04A6D3-A899-416C-AC87-5FC494ECB2E6}"/>
+              </a:ext>
+            </a:extLst>
+          </p:cNvPr>
+          <p:cNvCxnSpPr>
+            <a:cxnSpLocks/>
+          </p:cNvCxnSpPr>
+          <p:nvPr/>
+        </p:nvCxnSpPr>
+        <p:spPr>
+          <a:xfrm>
+            <a:off x="1895002" y="2165967"/>
+            <a:ext cx="1878976" cy="843240"/>
+          </a:xfrm>
+          <a:prstGeom prst="straightConnector1">
+            <a:avLst/>
+          </a:prstGeom>
+          <a:ln>
+            <a:tailEnd type="triangle"/>
+          </a:ln>
+        </p:spPr>
+        <p:style>
+          <a:lnRef idx="1">
+            <a:schemeClr val="accent1"/>
+          </a:lnRef>
+          <a:fillRef idx="0">
+            <a:schemeClr val="accent1"/>
+          </a:fillRef>
+          <a:effectRef idx="0">
+            <a:schemeClr val="accent1"/>
+          </a:effectRef>
+          <a:fontRef idx="minor">
+            <a:schemeClr val="tx1"/>
+          </a:fontRef>
+        </p:style>
+      </p:cxnSp>
+      <p:sp>
+        <p:nvSpPr>
+          <p:cNvPr id="8" name="Rectangle 7">
+            <a:extLst>
+              <a:ext uri="{FF2B5EF4-FFF2-40B4-BE49-F238E27FC236}">
+                <a16:creationId xmlns:a16="http://schemas.microsoft.com/office/drawing/2014/main" id="{1FE1AF1D-FCFE-46BC-8727-C10E9B86BB9C}"/>
+              </a:ext>
+            </a:extLst>
+          </p:cNvPr>
+          <p:cNvSpPr/>
+          <p:nvPr/>
+        </p:nvSpPr>
+        <p:spPr>
+          <a:xfrm>
+            <a:off x="2911469" y="1581834"/>
+            <a:ext cx="8600278" cy="400110"/>
+          </a:xfrm>
+          <a:prstGeom prst="rect">
+            <a:avLst/>
+          </a:prstGeom>
+        </p:spPr>
+        <p:txBody>
+          <a:bodyPr wrap="square">
+            <a:spAutoFit/>
+          </a:bodyPr>
+          <a:lstStyle/>
+          <a:p>
+            <a:r>
+              <a:rPr lang="en-US" sz="2000">
+                <a:solidFill>
+                  <a:srgbClr val="212121"/>
+                </a:solidFill>
+                <a:latin typeface="Inter"/>
+              </a:rPr>
+              <a:t>/</a:t>
+            </a:r>
+            <a:r>
+              <a:rPr lang="en-US"/>
+              <a:t>api/KhachHangDinhDanh/LayDDKHDangKy?donvi=TH</a:t>
+            </a:r>
+            <a:endParaRPr lang="en-US" sz="2000"/>
+          </a:p>
+        </p:txBody>
+      </p:sp>
+      <p:sp>
+        <p:nvSpPr>
+          <p:cNvPr id="9" name="Left Brace 8">
+            <a:extLst>
+              <a:ext uri="{FF2B5EF4-FFF2-40B4-BE49-F238E27FC236}">
+                <a16:creationId xmlns:a16="http://schemas.microsoft.com/office/drawing/2014/main" id="{AC5EA467-22B5-4E98-AC48-D89E65269F78}"/>
+              </a:ext>
+            </a:extLst>
+          </p:cNvPr>
+          <p:cNvSpPr/>
+          <p:nvPr/>
+        </p:nvSpPr>
+        <p:spPr>
+          <a:xfrm rot="5400000">
+            <a:off x="5444195" y="1642875"/>
+            <a:ext cx="466796" cy="1778925"/>
+          </a:xfrm>
+          <a:prstGeom prst="leftBrace">
+            <a:avLst/>
+          </a:prstGeom>
+        </p:spPr>
+        <p:style>
+          <a:lnRef idx="1">
+            <a:schemeClr val="accent1"/>
+          </a:lnRef>
+          <a:fillRef idx="0">
+            <a:schemeClr val="accent1"/>
+          </a:fillRef>
+          <a:effectRef idx="0">
+            <a:schemeClr val="accent1"/>
+          </a:effectRef>
+          <a:fontRef idx="minor">
+            <a:schemeClr val="tx1"/>
+          </a:fontRef>
+        </p:style>
+        <p:txBody>
+          <a:bodyPr rtlCol="0" anchor="ctr"/>
+          <a:lstStyle/>
+          <a:p>
+            <a:pPr algn="ctr"/>
+            <a:endParaRPr lang="en-US"/>
+          </a:p>
+        </p:txBody>
+      </p:sp>
+    </p:spTree>
+    <p:extLst>
+      <p:ext uri="{BB962C8B-B14F-4D97-AF65-F5344CB8AC3E}">
+        <p14:creationId xmlns:p14="http://schemas.microsoft.com/office/powerpoint/2010/main" val="3547981185"/>
       </p:ext>
     </p:extLst>
   </p:cSld>
